--- a/src/NN_presentation.pptx
+++ b/src/NN_presentation.pptx
@@ -29499,7 +29499,7 @@
         </p:nvSpPr>
         <p:spPr>
           <a:xfrm>
-            <a:off x="3105150" y="-69850"/>
+            <a:off x="2429983" y="100271"/>
             <a:ext cx="3072850" cy="644484"/>
           </a:xfrm>
         </p:spPr>
@@ -29540,14 +29540,14 @@
           <p:nvPr>
             <p:extLst>
               <p:ext uri="{D42A27DB-BD31-4B8C-83A1-F6EECF244321}">
-                <p14:modId xmlns:p14="http://schemas.microsoft.com/office/powerpoint/2010/main" val="3902093020"/>
+                <p14:modId xmlns:p14="http://schemas.microsoft.com/office/powerpoint/2010/main" val="2130232890"/>
               </p:ext>
             </p:extLst>
           </p:nvPr>
         </p:nvGraphicFramePr>
         <p:xfrm>
           <a:off x="129118" y="866554"/>
-          <a:ext cx="8885763" cy="2535629"/>
+          <a:ext cx="8885763" cy="2741160"/>
         </p:xfrm>
         <a:graphic>
           <a:graphicData uri="http://schemas.openxmlformats.org/drawingml/2006/table">
@@ -29731,6 +29731,18 @@
                         <a:t>F1-score</a:t>
                       </a:r>
                     </a:p>
+                    <a:p>
+                      <a:pPr algn="ctr"/>
+                      <a:r>
+                        <a:rPr lang="de-DE" sz="1400" dirty="0" err="1">
+                          <a:latin typeface="Monospace"/>
+                        </a:rPr>
+                        <a:t>Holdout</a:t>
+                      </a:r>
+                      <a:endParaRPr lang="de-DE" sz="1400" dirty="0">
+                        <a:latin typeface="Monospace"/>
+                      </a:endParaRPr>
+                    </a:p>
                   </a:txBody>
                   <a:tcPr marL="94025" marR="94025" marT="47013" marB="47013">
                     <a:lnL w="12700" cap="flat" cmpd="sng" algn="ctr">
@@ -29935,9 +29947,12 @@
                     <a:bodyPr/>
                     <a:lstStyle/>
                     <a:p>
-                      <a:endParaRPr lang="de-DE" sz="1400" dirty="0">
-                        <a:latin typeface="Monospace"/>
-                      </a:endParaRPr>
+                      <a:r>
+                        <a:rPr lang="de-DE" sz="1400" dirty="0">
+                          <a:latin typeface="Monospace"/>
+                        </a:rPr>
+                        <a:t>0.56</a:t>
+                      </a:r>
                     </a:p>
                   </a:txBody>
                   <a:tcPr marL="94025" marR="94025" marT="47013" marB="47013">
@@ -30030,67 +30045,7 @@
                           <a:cs typeface="Arial"/>
                           <a:sym typeface="Arial"/>
                         </a:rPr>
-                        <a:t>{'activation': , ‘</a:t>
-                      </a:r>
-                      <a:r>
-                        <a:rPr lang="en-US" sz="1400" b="0" i="0" u="none" strike="noStrike" cap="none" dirty="0" err="1">
-                          <a:solidFill>
-                            <a:srgbClr val="000000"/>
-                          </a:solidFill>
-                          <a:effectLst/>
-                          <a:latin typeface="Arial"/>
-                          <a:ea typeface="Arial"/>
-                          <a:cs typeface="Arial"/>
-                          <a:sym typeface="Arial"/>
-                        </a:rPr>
-                        <a:t>node_count</a:t>
-                      </a:r>
-                      <a:r>
-                        <a:rPr lang="en-US" sz="1400" b="0" i="0" u="none" strike="noStrike" cap="none" dirty="0">
-                          <a:solidFill>
-                            <a:srgbClr val="000000"/>
-                          </a:solidFill>
-                          <a:effectLst/>
-                          <a:latin typeface="Arial"/>
-                          <a:ea typeface="Arial"/>
-                          <a:cs typeface="Arial"/>
-                          <a:sym typeface="Arial"/>
-                        </a:rPr>
-                        <a:t>': , </a:t>
-                      </a:r>
-                    </a:p>
-                    <a:p>
-                      <a:pPr marL="0" marR="0" lvl="0" indent="0" algn="l" defTabSz="914400" rtl="0" eaLnBrk="1" fontAlgn="auto" latinLnBrk="0" hangingPunct="1">
-                        <a:lnSpc>
-                          <a:spcPct val="100000"/>
-                        </a:lnSpc>
-                        <a:spcBef>
-                          <a:spcPts val="0"/>
-                        </a:spcBef>
-                        <a:spcAft>
-                          <a:spcPts val="0"/>
-                        </a:spcAft>
-                        <a:buClr>
-                          <a:srgbClr val="000000"/>
-                        </a:buClr>
-                        <a:buSzTx/>
-                        <a:buFont typeface="Arial"/>
-                        <a:buNone/>
-                        <a:tabLst/>
-                        <a:defRPr/>
-                      </a:pPr>
-                      <a:r>
-                        <a:rPr lang="en-US" sz="1400" b="0" i="0" u="none" strike="noStrike" cap="none" dirty="0">
-                          <a:solidFill>
-                            <a:srgbClr val="000000"/>
-                          </a:solidFill>
-                          <a:effectLst/>
-                          <a:latin typeface="Arial"/>
-                          <a:ea typeface="Arial"/>
-                          <a:cs typeface="Arial"/>
-                          <a:sym typeface="Arial"/>
-                        </a:rPr>
-                        <a:t>'</a:t>
+                        <a:t>{'</a:t>
                       </a:r>
                       <a:r>
                         <a:rPr lang="en-US" sz="1400" b="0" i="0" u="none" strike="noStrike" cap="none" dirty="0" err="1">
@@ -30116,13 +30071,60 @@
                           <a:cs typeface="Arial"/>
                           <a:sym typeface="Arial"/>
                         </a:rPr>
-                        <a:t>’: , epochs=}</a:t>
+                        <a:t>': ‘0.5’, 'epochs': ‘2000’, '</a:t>
                       </a:r>
-                      <a:endParaRPr lang="de-DE" sz="1400" dirty="0">
-                        <a:latin typeface="Monospace"/>
-                      </a:endParaRPr>
-                    </a:p>
-                    <a:p>
+                      <a:r>
+                        <a:rPr lang="en-US" sz="1400" b="0" i="0" u="none" strike="noStrike" cap="none" dirty="0" err="1">
+                          <a:solidFill>
+                            <a:srgbClr val="000000"/>
+                          </a:solidFill>
+                          <a:effectLst/>
+                          <a:latin typeface="Arial"/>
+                          <a:ea typeface="Arial"/>
+                          <a:cs typeface="Arial"/>
+                          <a:sym typeface="Arial"/>
+                        </a:rPr>
+                        <a:t>node_counts</a:t>
+                      </a:r>
+                      <a:r>
+                        <a:rPr lang="en-US" sz="1400" b="0" i="0" u="none" strike="noStrike" cap="none" dirty="0">
+                          <a:solidFill>
+                            <a:srgbClr val="000000"/>
+                          </a:solidFill>
+                          <a:effectLst/>
+                          <a:latin typeface="Arial"/>
+                          <a:ea typeface="Arial"/>
+                          <a:cs typeface="Arial"/>
+                          <a:sym typeface="Arial"/>
+                        </a:rPr>
+                        <a:t>': ‘[10, 10]’, '</a:t>
+                      </a:r>
+                      <a:r>
+                        <a:rPr lang="en-US" sz="1400" b="0" i="0" u="none" strike="noStrike" cap="none" dirty="0" err="1">
+                          <a:solidFill>
+                            <a:srgbClr val="000000"/>
+                          </a:solidFill>
+                          <a:effectLst/>
+                          <a:latin typeface="Arial"/>
+                          <a:ea typeface="Arial"/>
+                          <a:cs typeface="Arial"/>
+                          <a:sym typeface="Arial"/>
+                        </a:rPr>
+                        <a:t>activation_function</a:t>
+                      </a:r>
+                      <a:r>
+                        <a:rPr lang="en-US" sz="1400" b="0" i="0" u="none" strike="noStrike" cap="none" dirty="0">
+                          <a:solidFill>
+                            <a:srgbClr val="000000"/>
+                          </a:solidFill>
+                          <a:effectLst/>
+                          <a:latin typeface="Arial"/>
+                          <a:ea typeface="Arial"/>
+                          <a:cs typeface="Arial"/>
+                          <a:sym typeface="Arial"/>
+                        </a:rPr>
+                        <a:t>’: ‘sigmoid’}</a:t>
+                      </a:r>
                       <a:endParaRPr lang="de-DE" sz="1400" dirty="0">
                         <a:latin typeface="Monospace"/>
                       </a:endParaRPr>
@@ -30290,9 +30292,12 @@
                     <a:bodyPr/>
                     <a:lstStyle/>
                     <a:p>
-                      <a:endParaRPr lang="de-DE" sz="1400" dirty="0">
-                        <a:latin typeface="Monospace"/>
-                      </a:endParaRPr>
+                      <a:r>
+                        <a:rPr lang="de-DE" sz="1400" dirty="0">
+                          <a:latin typeface="Monospace"/>
+                        </a:rPr>
+                        <a:t>0.38</a:t>
+                      </a:r>
                     </a:p>
                   </a:txBody>
                   <a:tcPr marL="94025" marR="94025" marT="47013" marB="47013">
@@ -30366,7 +30371,111 @@
                           <a:cs typeface="Arial"/>
                           <a:sym typeface="Arial"/>
                         </a:rPr>
-                        <a:t>{'activation': , '</a:t>
+                        <a:t>{'activation': '</a:t>
+                      </a:r>
+                      <a:r>
+                        <a:rPr lang="en-US" sz="1400" b="0" i="0" u="none" strike="noStrike" cap="none" dirty="0" err="1">
+                          <a:solidFill>
+                            <a:srgbClr val="000000"/>
+                          </a:solidFill>
+                          <a:effectLst/>
+                          <a:latin typeface="Arial"/>
+                          <a:ea typeface="Arial"/>
+                          <a:cs typeface="Arial"/>
+                          <a:sym typeface="Arial"/>
+                        </a:rPr>
+                        <a:t>relu</a:t>
+                      </a:r>
+                      <a:r>
+                        <a:rPr lang="en-US" sz="1400" b="0" i="0" u="none" strike="noStrike" cap="none" dirty="0">
+                          <a:solidFill>
+                            <a:srgbClr val="000000"/>
+                          </a:solidFill>
+                          <a:effectLst/>
+                          <a:latin typeface="Arial"/>
+                          <a:ea typeface="Arial"/>
+                          <a:cs typeface="Arial"/>
+                          <a:sym typeface="Arial"/>
+                        </a:rPr>
+                        <a:t>',</a:t>
+                      </a:r>
+                      <a:r>
+                        <a:rPr lang="en-US" sz="1400" b="0" i="0" u="none" strike="noStrike" cap="none" dirty="0" err="1">
+                          <a:solidFill>
+                            <a:srgbClr val="000000"/>
+                          </a:solidFill>
+                          <a:effectLst/>
+                          <a:latin typeface="Arial"/>
+                          <a:ea typeface="Arial"/>
+                          <a:cs typeface="Arial"/>
+                          <a:sym typeface="Arial"/>
+                        </a:rPr>
+                        <a:t>learning_rate_init</a:t>
+                      </a:r>
+                      <a:r>
+                        <a:rPr lang="en-US" sz="1400" b="0" i="0" u="none" strike="noStrike" cap="none" dirty="0">
+                          <a:solidFill>
+                            <a:srgbClr val="000000"/>
+                          </a:solidFill>
+                          <a:effectLst/>
+                          <a:latin typeface="Arial"/>
+                          <a:ea typeface="Arial"/>
+                          <a:cs typeface="Arial"/>
+                          <a:sym typeface="Arial"/>
+                        </a:rPr>
+                        <a:t>': 0.1, '</a:t>
+                      </a:r>
+                      <a:r>
+                        <a:rPr lang="en-US" sz="1400" b="0" i="0" u="none" strike="noStrike" cap="none" dirty="0" err="1">
+                          <a:solidFill>
+                            <a:srgbClr val="000000"/>
+                          </a:solidFill>
+                          <a:effectLst/>
+                          <a:latin typeface="Arial"/>
+                          <a:ea typeface="Arial"/>
+                          <a:cs typeface="Arial"/>
+                          <a:sym typeface="Arial"/>
+                        </a:rPr>
+                        <a:t>learning_rate</a:t>
+                      </a:r>
+                      <a:r>
+                        <a:rPr lang="en-US" sz="1400" b="0" i="0" u="none" strike="noStrike" cap="none" dirty="0">
+                          <a:solidFill>
+                            <a:srgbClr val="000000"/>
+                          </a:solidFill>
+                          <a:effectLst/>
+                          <a:latin typeface="Arial"/>
+                          <a:ea typeface="Arial"/>
+                          <a:cs typeface="Arial"/>
+                          <a:sym typeface="Arial"/>
+                        </a:rPr>
+                        <a:t>': 'constant', '</a:t>
+                      </a:r>
+                      <a:r>
+                        <a:rPr lang="en-US" sz="1400" b="0" i="0" u="none" strike="noStrike" cap="none" dirty="0" err="1">
+                          <a:solidFill>
+                            <a:srgbClr val="000000"/>
+                          </a:solidFill>
+                          <a:effectLst/>
+                          <a:latin typeface="Arial"/>
+                          <a:ea typeface="Arial"/>
+                          <a:cs typeface="Arial"/>
+                          <a:sym typeface="Arial"/>
+                        </a:rPr>
+                        <a:t>max_iter</a:t>
+                      </a:r>
+                      <a:r>
+                        <a:rPr lang="en-US" sz="1400" b="0" i="0" u="none" strike="noStrike" cap="none" dirty="0">
+                          <a:solidFill>
+                            <a:srgbClr val="000000"/>
+                          </a:solidFill>
+                          <a:effectLst/>
+                          <a:latin typeface="Arial"/>
+                          <a:ea typeface="Arial"/>
+                          <a:cs typeface="Arial"/>
+                          <a:sym typeface="Arial"/>
+                        </a:rPr>
+                        <a:t>': 100, '</a:t>
                       </a:r>
                       <a:r>
                         <a:rPr lang="en-US" sz="1400" b="0" i="0" u="none" strike="noStrike" cap="none" dirty="0" err="1">
@@ -30392,59 +30501,7 @@
                           <a:cs typeface="Arial"/>
                           <a:sym typeface="Arial"/>
                         </a:rPr>
-                        <a:t>': , '</a:t>
-                      </a:r>
-                      <a:r>
-                        <a:rPr lang="en-US" sz="1400" b="0" i="0" u="none" strike="noStrike" cap="none" dirty="0" err="1">
-                          <a:solidFill>
-                            <a:srgbClr val="000000"/>
-                          </a:solidFill>
-                          <a:effectLst/>
-                          <a:latin typeface="Arial"/>
-                          <a:ea typeface="Arial"/>
-                          <a:cs typeface="Arial"/>
-                          <a:sym typeface="Arial"/>
-                        </a:rPr>
-                        <a:t>learning_rate</a:t>
-                      </a:r>
-                      <a:r>
-                        <a:rPr lang="en-US" sz="1400" b="0" i="0" u="none" strike="noStrike" cap="none" dirty="0">
-                          <a:solidFill>
-                            <a:srgbClr val="000000"/>
-                          </a:solidFill>
-                          <a:effectLst/>
-                          <a:latin typeface="Arial"/>
-                          <a:ea typeface="Arial"/>
-                          <a:cs typeface="Arial"/>
-                          <a:sym typeface="Arial"/>
-                        </a:rPr>
-                        <a:t>': , '</a:t>
-                      </a:r>
-                      <a:r>
-                        <a:rPr lang="en-US" sz="1400" b="0" i="0" u="none" strike="noStrike" cap="none" dirty="0" err="1">
-                          <a:solidFill>
-                            <a:srgbClr val="000000"/>
-                          </a:solidFill>
-                          <a:effectLst/>
-                          <a:latin typeface="Arial"/>
-                          <a:ea typeface="Arial"/>
-                          <a:cs typeface="Arial"/>
-                          <a:sym typeface="Arial"/>
-                        </a:rPr>
-                        <a:t>learning_rate_init</a:t>
-                      </a:r>
-                      <a:r>
-                        <a:rPr lang="en-US" sz="1400" b="0" i="0" u="none" strike="noStrike" cap="none" dirty="0">
-                          <a:solidFill>
-                            <a:srgbClr val="000000"/>
-                          </a:solidFill>
-                          <a:effectLst/>
-                          <a:latin typeface="Arial"/>
-                          <a:ea typeface="Arial"/>
-                          <a:cs typeface="Arial"/>
-                          <a:sym typeface="Arial"/>
-                        </a:rPr>
-                        <a:t>': }</a:t>
+                        <a:t>': [20, 20, 20]}</a:t>
                       </a:r>
                       <a:endParaRPr lang="de-DE" sz="1400" dirty="0">
                         <a:latin typeface="Monospace"/>
@@ -30600,7 +30657,7 @@
                           <a:cs typeface="Arial"/>
                           <a:sym typeface="Arial"/>
                         </a:rPr>
-                        <a:t>0.54</a:t>
+                        <a:t>0.74</a:t>
                       </a:r>
                       <a:endParaRPr lang="de-DE" sz="1400" dirty="0">
                         <a:latin typeface="Monospace"/>
@@ -50139,7 +50196,7 @@
         </p:nvSpPr>
         <p:spPr>
           <a:xfrm>
-            <a:off x="2095500" y="-44450"/>
+            <a:off x="1680831" y="115039"/>
             <a:ext cx="5530850" cy="644484"/>
           </a:xfrm>
         </p:spPr>
@@ -50188,7 +50245,7 @@
           <p:nvPr>
             <p:extLst>
               <p:ext uri="{D42A27DB-BD31-4B8C-83A1-F6EECF244321}">
-                <p14:modId xmlns:p14="http://schemas.microsoft.com/office/powerpoint/2010/main" val="1480803271"/>
+                <p14:modId xmlns:p14="http://schemas.microsoft.com/office/powerpoint/2010/main" val="4047678068"/>
               </p:ext>
             </p:extLst>
           </p:nvPr>
@@ -50378,6 +50435,18 @@
                         </a:rPr>
                         <a:t>F1-score</a:t>
                       </a:r>
+                    </a:p>
+                    <a:p>
+                      <a:pPr algn="ctr"/>
+                      <a:r>
+                        <a:rPr lang="de-DE" sz="1400" dirty="0" err="1">
+                          <a:latin typeface="Monospace"/>
+                        </a:rPr>
+                        <a:t>Holdout</a:t>
+                      </a:r>
+                      <a:endParaRPr lang="de-DE" sz="1400" dirty="0">
+                        <a:latin typeface="Monospace"/>
+                      </a:endParaRPr>
                     </a:p>
                   </a:txBody>
                   <a:tcPr marL="94025" marR="94025" marT="47013" marB="47013">
@@ -50945,7 +51014,7 @@
                         <a:rPr lang="de-DE" sz="1400" dirty="0">
                           <a:latin typeface="Monospace"/>
                         </a:rPr>
-                        <a:t>0.93</a:t>
+                        <a:t>0.95</a:t>
                       </a:r>
                     </a:p>
                   </a:txBody>
@@ -51247,7 +51316,7 @@
                         <a:rPr lang="de-DE" sz="1400" dirty="0">
                           <a:latin typeface="Monospace"/>
                         </a:rPr>
-                        <a:t>0.96</a:t>
+                        <a:t>0.95</a:t>
                       </a:r>
                     </a:p>
                   </a:txBody>
@@ -51546,7 +51615,7 @@
         </p:nvSpPr>
         <p:spPr>
           <a:xfrm>
-            <a:off x="3105150" y="-69850"/>
+            <a:off x="2461880" y="52425"/>
             <a:ext cx="3072850" cy="644484"/>
           </a:xfrm>
         </p:spPr>
@@ -51583,7 +51652,7 @@
           <p:nvPr>
             <p:extLst>
               <p:ext uri="{D42A27DB-BD31-4B8C-83A1-F6EECF244321}">
-                <p14:modId xmlns:p14="http://schemas.microsoft.com/office/powerpoint/2010/main" val="1374512269"/>
+                <p14:modId xmlns:p14="http://schemas.microsoft.com/office/powerpoint/2010/main" val="3000031096"/>
               </p:ext>
             </p:extLst>
           </p:nvPr>
@@ -51773,6 +51842,18 @@
                         </a:rPr>
                         <a:t>F1-score</a:t>
                       </a:r>
+                    </a:p>
+                    <a:p>
+                      <a:pPr algn="ctr"/>
+                      <a:r>
+                        <a:rPr lang="de-DE" sz="1400" dirty="0" err="1">
+                          <a:latin typeface="Monospace"/>
+                        </a:rPr>
+                        <a:t>Holdout</a:t>
+                      </a:r>
+                      <a:endParaRPr lang="de-DE" sz="1400" dirty="0">
+                        <a:latin typeface="Monospace"/>
+                      </a:endParaRPr>
                     </a:p>
                   </a:txBody>
                   <a:tcPr marL="94025" marR="94025" marT="47013" marB="47013">
@@ -52643,7 +52724,7 @@
                           <a:cs typeface="Arial"/>
                           <a:sym typeface="Arial"/>
                         </a:rPr>
-                        <a:t>0.94</a:t>
+                        <a:t>0.95</a:t>
                       </a:r>
                       <a:endParaRPr lang="de-DE" sz="1400" dirty="0">
                         <a:latin typeface="Monospace"/>

--- a/src/NN_presentation.pptx
+++ b/src/NN_presentation.pptx
@@ -9,20 +9,20 @@
   </p:notesMasterIdLst>
   <p:sldIdLst>
     <p:sldId id="256" r:id="rId2"/>
-    <p:sldId id="291" r:id="rId3"/>
-    <p:sldId id="301" r:id="rId4"/>
-    <p:sldId id="292" r:id="rId5"/>
-    <p:sldId id="293" r:id="rId6"/>
-    <p:sldId id="294" r:id="rId7"/>
-    <p:sldId id="300" r:id="rId8"/>
-    <p:sldId id="295" r:id="rId9"/>
-    <p:sldId id="296" r:id="rId10"/>
-    <p:sldId id="297" r:id="rId11"/>
-    <p:sldId id="299" r:id="rId12"/>
-    <p:sldId id="302" r:id="rId13"/>
-    <p:sldId id="303" r:id="rId14"/>
-    <p:sldId id="304" r:id="rId15"/>
-    <p:sldId id="257" r:id="rId16"/>
+    <p:sldId id="301" r:id="rId3"/>
+    <p:sldId id="292" r:id="rId4"/>
+    <p:sldId id="293" r:id="rId5"/>
+    <p:sldId id="294" r:id="rId6"/>
+    <p:sldId id="300" r:id="rId7"/>
+    <p:sldId id="295" r:id="rId8"/>
+    <p:sldId id="296" r:id="rId9"/>
+    <p:sldId id="297" r:id="rId10"/>
+    <p:sldId id="299" r:id="rId11"/>
+    <p:sldId id="302" r:id="rId12"/>
+    <p:sldId id="303" r:id="rId13"/>
+    <p:sldId id="304" r:id="rId14"/>
+    <p:sldId id="257" r:id="rId15"/>
+    <p:sldId id="291" r:id="rId16"/>
   </p:sldIdLst>
   <p:sldSz cx="9144000" cy="5143500" type="screen16x9"/>
   <p:notesSz cx="6858000" cy="9144000"/>
@@ -29486,1466 +29486,6 @@
           <p:cNvPr id="2" name="Titel 1">
             <a:extLst>
               <a:ext uri="{FF2B5EF4-FFF2-40B4-BE49-F238E27FC236}">
-                <a16:creationId xmlns:a16="http://schemas.microsoft.com/office/drawing/2014/main" id="{1C9D2155-C23D-37CD-2246-CAA4AB3981A1}"/>
-              </a:ext>
-            </a:extLst>
-          </p:cNvPr>
-          <p:cNvSpPr>
-            <a:spLocks noGrp="1"/>
-          </p:cNvSpPr>
-          <p:nvPr>
-            <p:ph type="title"/>
-          </p:nvPr>
-        </p:nvSpPr>
-        <p:spPr>
-          <a:xfrm>
-            <a:off x="2429983" y="100271"/>
-            <a:ext cx="3072850" cy="644484"/>
-          </a:xfrm>
-        </p:spPr>
-        <p:txBody>
-          <a:bodyPr>
-            <a:normAutofit fontScale="90000"/>
-          </a:bodyPr>
-          <a:lstStyle/>
-          <a:p>
-            <a:r>
-              <a:rPr lang="de-DE" dirty="0" err="1"/>
-              <a:t>Flag</a:t>
-            </a:r>
-            <a:r>
-              <a:rPr lang="de-DE" dirty="0"/>
-              <a:t> </a:t>
-            </a:r>
-            <a:r>
-              <a:rPr lang="de-DE" dirty="0" err="1"/>
-              <a:t>dataset</a:t>
-            </a:r>
-            <a:endParaRPr lang="de-DE" dirty="0"/>
-          </a:p>
-        </p:txBody>
-      </p:sp>
-      <p:graphicFrame>
-        <p:nvGraphicFramePr>
-          <p:cNvPr id="4" name="Tabelle 3">
-            <a:extLst>
-              <a:ext uri="{FF2B5EF4-FFF2-40B4-BE49-F238E27FC236}">
-                <a16:creationId xmlns:a16="http://schemas.microsoft.com/office/drawing/2014/main" id="{B5448B16-5CD2-262A-B611-E4C633226D02}"/>
-              </a:ext>
-            </a:extLst>
-          </p:cNvPr>
-          <p:cNvGraphicFramePr>
-            <a:graphicFrameLocks noGrp="1"/>
-          </p:cNvGraphicFramePr>
-          <p:nvPr>
-            <p:extLst>
-              <p:ext uri="{D42A27DB-BD31-4B8C-83A1-F6EECF244321}">
-                <p14:modId xmlns:p14="http://schemas.microsoft.com/office/powerpoint/2010/main" val="2130232890"/>
-              </p:ext>
-            </p:extLst>
-          </p:nvPr>
-        </p:nvGraphicFramePr>
-        <p:xfrm>
-          <a:off x="129118" y="866554"/>
-          <a:ext cx="8885763" cy="2741160"/>
-        </p:xfrm>
-        <a:graphic>
-          <a:graphicData uri="http://schemas.openxmlformats.org/drawingml/2006/table">
-            <a:tbl>
-              <a:tblPr firstRow="1" bandRow="1">
-                <a:effectLst/>
-                <a:tableStyleId>{23F0BC30-06F4-4471-925F-88749DCA4F18}</a:tableStyleId>
-              </a:tblPr>
-              <a:tblGrid>
-                <a:gridCol w="2961921">
-                  <a:extLst>
-                    <a:ext uri="{9D8B030D-6E8A-4147-A177-3AD203B41FA5}">
-                      <a16:colId xmlns:a16="http://schemas.microsoft.com/office/drawing/2014/main" val="3501323086"/>
-                    </a:ext>
-                  </a:extLst>
-                </a:gridCol>
-                <a:gridCol w="2033854">
-                  <a:extLst>
-                    <a:ext uri="{9D8B030D-6E8A-4147-A177-3AD203B41FA5}">
-                      <a16:colId xmlns:a16="http://schemas.microsoft.com/office/drawing/2014/main" val="139150315"/>
-                    </a:ext>
-                  </a:extLst>
-                </a:gridCol>
-                <a:gridCol w="3889988">
-                  <a:extLst>
-                    <a:ext uri="{9D8B030D-6E8A-4147-A177-3AD203B41FA5}">
-                      <a16:colId xmlns:a16="http://schemas.microsoft.com/office/drawing/2014/main" val="2248449055"/>
-                    </a:ext>
-                  </a:extLst>
-                </a:gridCol>
-              </a:tblGrid>
-              <a:tr h="752202">
-                <a:tc>
-                  <a:txBody>
-                    <a:bodyPr/>
-                    <a:lstStyle/>
-                    <a:p>
-                      <a:pPr algn="ctr"/>
-                      <a:r>
-                        <a:rPr lang="de-DE" sz="1400" dirty="0">
-                          <a:latin typeface="Monospace"/>
-                        </a:rPr>
-                        <a:t>Model</a:t>
-                      </a:r>
-                    </a:p>
-                    <a:p>
-                      <a:pPr algn="ctr"/>
-                      <a:r>
-                        <a:rPr lang="de-DE" sz="1400" dirty="0">
-                          <a:latin typeface="Monospace"/>
-                        </a:rPr>
-                        <a:t>(</a:t>
-                      </a:r>
-                      <a:r>
-                        <a:rPr lang="de-DE" sz="1400" dirty="0" err="1">
-                          <a:latin typeface="Monospace"/>
-                        </a:rPr>
-                        <a:t>Grid</a:t>
-                      </a:r>
-                      <a:r>
-                        <a:rPr lang="de-DE" sz="1400" dirty="0">
-                          <a:latin typeface="Monospace"/>
-                        </a:rPr>
-                        <a:t> </a:t>
-                      </a:r>
-                      <a:r>
-                        <a:rPr lang="de-DE" sz="1400" dirty="0" err="1">
-                          <a:latin typeface="Monospace"/>
-                        </a:rPr>
-                        <a:t>search</a:t>
-                      </a:r>
-                      <a:r>
-                        <a:rPr lang="de-DE" sz="1400" dirty="0">
-                          <a:latin typeface="Monospace"/>
-                        </a:rPr>
-                        <a:t> </a:t>
-                      </a:r>
-                      <a:r>
-                        <a:rPr lang="de-DE" sz="1400" dirty="0" err="1">
-                          <a:latin typeface="Monospace"/>
-                        </a:rPr>
-                        <a:t>for</a:t>
-                      </a:r>
-                      <a:r>
-                        <a:rPr lang="de-DE" sz="1400" dirty="0">
-                          <a:latin typeface="Monospace"/>
-                        </a:rPr>
-                        <a:t> </a:t>
-                      </a:r>
-                      <a:r>
-                        <a:rPr lang="de-DE" sz="1400" dirty="0" err="1">
-                          <a:latin typeface="Monospace"/>
-                        </a:rPr>
-                        <a:t>self</a:t>
-                      </a:r>
-                      <a:r>
-                        <a:rPr lang="de-DE" sz="1400" dirty="0">
-                          <a:latin typeface="Monospace"/>
-                        </a:rPr>
-                        <a:t>-code </a:t>
-                      </a:r>
-                      <a:r>
-                        <a:rPr lang="de-DE" sz="1400" dirty="0" err="1">
-                          <a:latin typeface="Monospace"/>
-                        </a:rPr>
-                        <a:t>hyperparams</a:t>
-                      </a:r>
-                      <a:r>
-                        <a:rPr lang="de-DE" sz="1400" dirty="0">
-                          <a:latin typeface="Monospace"/>
-                        </a:rPr>
-                        <a:t>. )</a:t>
-                      </a:r>
-                    </a:p>
-                  </a:txBody>
-                  <a:tcPr marL="94025" marR="94025" marT="47013" marB="47013">
-                    <a:lnL w="12700" cap="flat" cmpd="sng" algn="ctr">
-                      <a:solidFill>
-                        <a:schemeClr val="tx1"/>
-                      </a:solidFill>
-                      <a:prstDash val="solid"/>
-                      <a:round/>
-                      <a:headEnd type="none" w="med" len="med"/>
-                      <a:tailEnd type="none" w="med" len="med"/>
-                    </a:lnL>
-                    <a:lnR w="12700" cap="flat" cmpd="sng" algn="ctr">
-                      <a:solidFill>
-                        <a:schemeClr val="tx1"/>
-                      </a:solidFill>
-                      <a:prstDash val="solid"/>
-                      <a:round/>
-                      <a:headEnd type="none" w="med" len="med"/>
-                      <a:tailEnd type="none" w="med" len="med"/>
-                    </a:lnR>
-                    <a:lnT w="12700" cap="flat" cmpd="sng" algn="ctr">
-                      <a:solidFill>
-                        <a:schemeClr val="tx1"/>
-                      </a:solidFill>
-                      <a:prstDash val="solid"/>
-                      <a:round/>
-                      <a:headEnd type="none" w="med" len="med"/>
-                      <a:tailEnd type="none" w="med" len="med"/>
-                    </a:lnT>
-                    <a:lnB w="12700" cap="flat" cmpd="sng" algn="ctr">
-                      <a:solidFill>
-                        <a:schemeClr val="tx1"/>
-                      </a:solidFill>
-                      <a:prstDash val="solid"/>
-                      <a:round/>
-                      <a:headEnd type="none" w="med" len="med"/>
-                      <a:tailEnd type="none" w="med" len="med"/>
-                    </a:lnB>
-                    <a:lnTlToBr w="12700" cmpd="sng">
-                      <a:noFill/>
-                      <a:prstDash val="solid"/>
-                    </a:lnTlToBr>
-                    <a:lnBlToTr w="12700" cmpd="sng">
-                      <a:noFill/>
-                      <a:prstDash val="solid"/>
-                    </a:lnBlToTr>
-                    <a:pattFill prst="pct5">
-                      <a:fgClr>
-                        <a:schemeClr val="lt1"/>
-                      </a:fgClr>
-                      <a:bgClr>
-                        <a:schemeClr val="bg1"/>
-                      </a:bgClr>
-                    </a:pattFill>
-                  </a:tcPr>
-                </a:tc>
-                <a:tc>
-                  <a:txBody>
-                    <a:bodyPr/>
-                    <a:lstStyle/>
-                    <a:p>
-                      <a:pPr algn="ctr"/>
-                      <a:r>
-                        <a:rPr lang="de-DE" sz="1400" dirty="0">
-                          <a:latin typeface="Monospace"/>
-                        </a:rPr>
-                        <a:t>F1-score</a:t>
-                      </a:r>
-                    </a:p>
-                    <a:p>
-                      <a:pPr algn="ctr"/>
-                      <a:r>
-                        <a:rPr lang="de-DE" sz="1400" dirty="0" err="1">
-                          <a:latin typeface="Monospace"/>
-                        </a:rPr>
-                        <a:t>Holdout</a:t>
-                      </a:r>
-                      <a:endParaRPr lang="de-DE" sz="1400" dirty="0">
-                        <a:latin typeface="Monospace"/>
-                      </a:endParaRPr>
-                    </a:p>
-                  </a:txBody>
-                  <a:tcPr marL="94025" marR="94025" marT="47013" marB="47013">
-                    <a:lnL w="12700" cap="flat" cmpd="sng" algn="ctr">
-                      <a:solidFill>
-                        <a:schemeClr val="tx1"/>
-                      </a:solidFill>
-                      <a:prstDash val="solid"/>
-                      <a:round/>
-                      <a:headEnd type="none" w="med" len="med"/>
-                      <a:tailEnd type="none" w="med" len="med"/>
-                    </a:lnL>
-                    <a:lnR w="12700" cap="flat" cmpd="sng" algn="ctr">
-                      <a:solidFill>
-                        <a:schemeClr val="tx1"/>
-                      </a:solidFill>
-                      <a:prstDash val="solid"/>
-                      <a:round/>
-                      <a:headEnd type="none" w="med" len="med"/>
-                      <a:tailEnd type="none" w="med" len="med"/>
-                    </a:lnR>
-                    <a:lnT w="12700" cap="flat" cmpd="sng" algn="ctr">
-                      <a:solidFill>
-                        <a:schemeClr val="tx1"/>
-                      </a:solidFill>
-                      <a:prstDash val="solid"/>
-                      <a:round/>
-                      <a:headEnd type="none" w="med" len="med"/>
-                      <a:tailEnd type="none" w="med" len="med"/>
-                    </a:lnT>
-                    <a:lnB w="12700" cap="flat" cmpd="sng" algn="ctr">
-                      <a:solidFill>
-                        <a:schemeClr val="tx1"/>
-                      </a:solidFill>
-                      <a:prstDash val="solid"/>
-                      <a:round/>
-                      <a:headEnd type="none" w="med" len="med"/>
-                      <a:tailEnd type="none" w="med" len="med"/>
-                    </a:lnB>
-                    <a:lnTlToBr w="12700" cmpd="sng">
-                      <a:noFill/>
-                      <a:prstDash val="solid"/>
-                    </a:lnTlToBr>
-                    <a:lnBlToTr w="12700" cmpd="sng">
-                      <a:noFill/>
-                      <a:prstDash val="solid"/>
-                    </a:lnBlToTr>
-                    <a:pattFill prst="pct5">
-                      <a:fgClr>
-                        <a:schemeClr val="lt1"/>
-                      </a:fgClr>
-                      <a:bgClr>
-                        <a:schemeClr val="bg1"/>
-                      </a:bgClr>
-                    </a:pattFill>
-                  </a:tcPr>
-                </a:tc>
-                <a:tc>
-                  <a:txBody>
-                    <a:bodyPr/>
-                    <a:lstStyle/>
-                    <a:p>
-                      <a:r>
-                        <a:rPr lang="de-DE" sz="1400" dirty="0">
-                          <a:latin typeface="Monospace"/>
-                        </a:rPr>
-                        <a:t>Hyperparameters</a:t>
-                      </a:r>
-                    </a:p>
-                  </a:txBody>
-                  <a:tcPr marL="94025" marR="94025" marT="47013" marB="47013">
-                    <a:lnL w="12700" cap="flat" cmpd="sng" algn="ctr">
-                      <a:solidFill>
-                        <a:schemeClr val="tx1"/>
-                      </a:solidFill>
-                      <a:prstDash val="solid"/>
-                      <a:round/>
-                      <a:headEnd type="none" w="med" len="med"/>
-                      <a:tailEnd type="none" w="med" len="med"/>
-                    </a:lnL>
-                    <a:lnR w="12700" cap="flat" cmpd="sng" algn="ctr">
-                      <a:solidFill>
-                        <a:schemeClr val="tx1"/>
-                      </a:solidFill>
-                      <a:prstDash val="solid"/>
-                      <a:round/>
-                      <a:headEnd type="none" w="med" len="med"/>
-                      <a:tailEnd type="none" w="med" len="med"/>
-                    </a:lnR>
-                    <a:lnT w="12700" cap="flat" cmpd="sng" algn="ctr">
-                      <a:solidFill>
-                        <a:schemeClr val="tx1"/>
-                      </a:solidFill>
-                      <a:prstDash val="solid"/>
-                      <a:round/>
-                      <a:headEnd type="none" w="med" len="med"/>
-                      <a:tailEnd type="none" w="med" len="med"/>
-                    </a:lnT>
-                    <a:lnB w="12700" cap="flat" cmpd="sng" algn="ctr">
-                      <a:solidFill>
-                        <a:schemeClr val="tx1"/>
-                      </a:solidFill>
-                      <a:prstDash val="solid"/>
-                      <a:round/>
-                      <a:headEnd type="none" w="med" len="med"/>
-                      <a:tailEnd type="none" w="med" len="med"/>
-                    </a:lnB>
-                    <a:lnTlToBr w="12700" cmpd="sng">
-                      <a:noFill/>
-                      <a:prstDash val="solid"/>
-                    </a:lnTlToBr>
-                    <a:lnBlToTr w="12700" cmpd="sng">
-                      <a:noFill/>
-                      <a:prstDash val="solid"/>
-                    </a:lnBlToTr>
-                    <a:pattFill prst="pct5">
-                      <a:fgClr>
-                        <a:schemeClr val="lt1"/>
-                      </a:fgClr>
-                      <a:bgClr>
-                        <a:schemeClr val="bg1"/>
-                      </a:bgClr>
-                    </a:pattFill>
-                  </a:tcPr>
-                </a:tc>
-                <a:extLst>
-                  <a:ext uri="{0D108BD9-81ED-4DB2-BD59-A6C34878D82A}">
-                    <a16:rowId xmlns:a16="http://schemas.microsoft.com/office/drawing/2014/main" val="1610683673"/>
-                  </a:ext>
-                </a:extLst>
-              </a:tr>
-              <a:tr h="532810">
-                <a:tc>
-                  <a:txBody>
-                    <a:bodyPr/>
-                    <a:lstStyle/>
-                    <a:p>
-                      <a:r>
-                        <a:rPr lang="de-DE" sz="1400" dirty="0">
-                          <a:latin typeface="Monospace"/>
-                        </a:rPr>
-                        <a:t>Self-Code</a:t>
-                      </a:r>
-                    </a:p>
-                  </a:txBody>
-                  <a:tcPr marL="94025" marR="94025" marT="47013" marB="47013">
-                    <a:lnL w="12700" cap="flat" cmpd="sng" algn="ctr">
-                      <a:solidFill>
-                        <a:schemeClr val="tx1"/>
-                      </a:solidFill>
-                      <a:prstDash val="solid"/>
-                      <a:round/>
-                      <a:headEnd type="none" w="med" len="med"/>
-                      <a:tailEnd type="none" w="med" len="med"/>
-                    </a:lnL>
-                    <a:lnR w="12700" cap="flat" cmpd="sng" algn="ctr">
-                      <a:solidFill>
-                        <a:schemeClr val="tx1"/>
-                      </a:solidFill>
-                      <a:prstDash val="solid"/>
-                      <a:round/>
-                      <a:headEnd type="none" w="med" len="med"/>
-                      <a:tailEnd type="none" w="med" len="med"/>
-                    </a:lnR>
-                    <a:lnT w="12700" cap="flat" cmpd="sng" algn="ctr">
-                      <a:solidFill>
-                        <a:schemeClr val="tx1"/>
-                      </a:solidFill>
-                      <a:prstDash val="solid"/>
-                      <a:round/>
-                      <a:headEnd type="none" w="med" len="med"/>
-                      <a:tailEnd type="none" w="med" len="med"/>
-                    </a:lnT>
-                    <a:lnB w="12700" cap="flat" cmpd="sng" algn="ctr">
-                      <a:solidFill>
-                        <a:schemeClr val="tx1"/>
-                      </a:solidFill>
-                      <a:prstDash val="solid"/>
-                      <a:round/>
-                      <a:headEnd type="none" w="med" len="med"/>
-                      <a:tailEnd type="none" w="med" len="med"/>
-                    </a:lnB>
-                    <a:lnTlToBr w="12700" cmpd="sng">
-                      <a:noFill/>
-                      <a:prstDash val="solid"/>
-                    </a:lnTlToBr>
-                    <a:lnBlToTr w="12700" cmpd="sng">
-                      <a:noFill/>
-                      <a:prstDash val="solid"/>
-                    </a:lnBlToTr>
-                    <a:pattFill prst="pct5">
-                      <a:fgClr>
-                        <a:schemeClr val="lt1"/>
-                      </a:fgClr>
-                      <a:bgClr>
-                        <a:schemeClr val="bg1"/>
-                      </a:bgClr>
-                    </a:pattFill>
-                  </a:tcPr>
-                </a:tc>
-                <a:tc>
-                  <a:txBody>
-                    <a:bodyPr/>
-                    <a:lstStyle/>
-                    <a:p>
-                      <a:r>
-                        <a:rPr lang="de-DE" sz="1400" dirty="0">
-                          <a:latin typeface="Monospace"/>
-                        </a:rPr>
-                        <a:t>0.56</a:t>
-                      </a:r>
-                    </a:p>
-                  </a:txBody>
-                  <a:tcPr marL="94025" marR="94025" marT="47013" marB="47013">
-                    <a:lnL w="12700" cap="flat" cmpd="sng" algn="ctr">
-                      <a:solidFill>
-                        <a:schemeClr val="tx1"/>
-                      </a:solidFill>
-                      <a:prstDash val="solid"/>
-                      <a:round/>
-                      <a:headEnd type="none" w="med" len="med"/>
-                      <a:tailEnd type="none" w="med" len="med"/>
-                    </a:lnL>
-                    <a:lnR w="12700" cap="flat" cmpd="sng" algn="ctr">
-                      <a:solidFill>
-                        <a:schemeClr val="tx1"/>
-                      </a:solidFill>
-                      <a:prstDash val="solid"/>
-                      <a:round/>
-                      <a:headEnd type="none" w="med" len="med"/>
-                      <a:tailEnd type="none" w="med" len="med"/>
-                    </a:lnR>
-                    <a:lnT w="12700" cap="flat" cmpd="sng" algn="ctr">
-                      <a:solidFill>
-                        <a:schemeClr val="tx1"/>
-                      </a:solidFill>
-                      <a:prstDash val="solid"/>
-                      <a:round/>
-                      <a:headEnd type="none" w="med" len="med"/>
-                      <a:tailEnd type="none" w="med" len="med"/>
-                    </a:lnT>
-                    <a:lnB w="12700" cap="flat" cmpd="sng" algn="ctr">
-                      <a:solidFill>
-                        <a:schemeClr val="tx1"/>
-                      </a:solidFill>
-                      <a:prstDash val="solid"/>
-                      <a:round/>
-                      <a:headEnd type="none" w="med" len="med"/>
-                      <a:tailEnd type="none" w="med" len="med"/>
-                    </a:lnB>
-                    <a:lnTlToBr w="12700" cmpd="sng">
-                      <a:noFill/>
-                      <a:prstDash val="solid"/>
-                    </a:lnTlToBr>
-                    <a:lnBlToTr w="12700" cmpd="sng">
-                      <a:noFill/>
-                      <a:prstDash val="solid"/>
-                    </a:lnBlToTr>
-                    <a:pattFill prst="pct5">
-                      <a:fgClr>
-                        <a:schemeClr val="lt1"/>
-                      </a:fgClr>
-                      <a:bgClr>
-                        <a:schemeClr val="bg1"/>
-                      </a:bgClr>
-                    </a:pattFill>
-                  </a:tcPr>
-                </a:tc>
-                <a:tc>
-                  <a:txBody>
-                    <a:bodyPr/>
-                    <a:lstStyle/>
-                    <a:p>
-                      <a:pPr marL="0" marR="0" lvl="0" indent="0" algn="l" defTabSz="914400" rtl="0" eaLnBrk="1" fontAlgn="auto" latinLnBrk="0" hangingPunct="1">
-                        <a:lnSpc>
-                          <a:spcPct val="100000"/>
-                        </a:lnSpc>
-                        <a:spcBef>
-                          <a:spcPts val="0"/>
-                        </a:spcBef>
-                        <a:spcAft>
-                          <a:spcPts val="0"/>
-                        </a:spcAft>
-                        <a:buClr>
-                          <a:srgbClr val="000000"/>
-                        </a:buClr>
-                        <a:buSzTx/>
-                        <a:buFont typeface="Arial"/>
-                        <a:buNone/>
-                        <a:tabLst/>
-                        <a:defRPr/>
-                      </a:pPr>
-                      <a:r>
-                        <a:rPr lang="en-US" sz="1400" b="0" i="0" u="none" strike="noStrike" cap="none" dirty="0">
-                          <a:solidFill>
-                            <a:srgbClr val="000000"/>
-                          </a:solidFill>
-                          <a:effectLst/>
-                          <a:latin typeface="Arial"/>
-                          <a:ea typeface="Arial"/>
-                          <a:cs typeface="Arial"/>
-                          <a:sym typeface="Arial"/>
-                        </a:rPr>
-                        <a:t>{'</a:t>
-                      </a:r>
-                      <a:r>
-                        <a:rPr lang="en-US" sz="1400" b="0" i="0" u="none" strike="noStrike" cap="none" dirty="0" err="1">
-                          <a:solidFill>
-                            <a:srgbClr val="000000"/>
-                          </a:solidFill>
-                          <a:effectLst/>
-                          <a:latin typeface="Arial"/>
-                          <a:ea typeface="Arial"/>
-                          <a:cs typeface="Arial"/>
-                          <a:sym typeface="Arial"/>
-                        </a:rPr>
-                        <a:t>learning_rate</a:t>
-                      </a:r>
-                      <a:r>
-                        <a:rPr lang="en-US" sz="1400" b="0" i="0" u="none" strike="noStrike" cap="none" dirty="0">
-                          <a:solidFill>
-                            <a:srgbClr val="000000"/>
-                          </a:solidFill>
-                          <a:effectLst/>
-                          <a:latin typeface="Arial"/>
-                          <a:ea typeface="Arial"/>
-                          <a:cs typeface="Arial"/>
-                          <a:sym typeface="Arial"/>
-                        </a:rPr>
-                        <a:t>': ‘0.5’, 'epochs': ‘2000’, '</a:t>
-                      </a:r>
-                      <a:r>
-                        <a:rPr lang="en-US" sz="1400" b="0" i="0" u="none" strike="noStrike" cap="none" dirty="0" err="1">
-                          <a:solidFill>
-                            <a:srgbClr val="000000"/>
-                          </a:solidFill>
-                          <a:effectLst/>
-                          <a:latin typeface="Arial"/>
-                          <a:ea typeface="Arial"/>
-                          <a:cs typeface="Arial"/>
-                          <a:sym typeface="Arial"/>
-                        </a:rPr>
-                        <a:t>node_counts</a:t>
-                      </a:r>
-                      <a:r>
-                        <a:rPr lang="en-US" sz="1400" b="0" i="0" u="none" strike="noStrike" cap="none" dirty="0">
-                          <a:solidFill>
-                            <a:srgbClr val="000000"/>
-                          </a:solidFill>
-                          <a:effectLst/>
-                          <a:latin typeface="Arial"/>
-                          <a:ea typeface="Arial"/>
-                          <a:cs typeface="Arial"/>
-                          <a:sym typeface="Arial"/>
-                        </a:rPr>
-                        <a:t>': ‘[10, 10]’, '</a:t>
-                      </a:r>
-                      <a:r>
-                        <a:rPr lang="en-US" sz="1400" b="0" i="0" u="none" strike="noStrike" cap="none" dirty="0" err="1">
-                          <a:solidFill>
-                            <a:srgbClr val="000000"/>
-                          </a:solidFill>
-                          <a:effectLst/>
-                          <a:latin typeface="Arial"/>
-                          <a:ea typeface="Arial"/>
-                          <a:cs typeface="Arial"/>
-                          <a:sym typeface="Arial"/>
-                        </a:rPr>
-                        <a:t>activation_function</a:t>
-                      </a:r>
-                      <a:r>
-                        <a:rPr lang="en-US" sz="1400" b="0" i="0" u="none" strike="noStrike" cap="none" dirty="0">
-                          <a:solidFill>
-                            <a:srgbClr val="000000"/>
-                          </a:solidFill>
-                          <a:effectLst/>
-                          <a:latin typeface="Arial"/>
-                          <a:ea typeface="Arial"/>
-                          <a:cs typeface="Arial"/>
-                          <a:sym typeface="Arial"/>
-                        </a:rPr>
-                        <a:t>’: ‘sigmoid’}</a:t>
-                      </a:r>
-                      <a:endParaRPr lang="de-DE" sz="1400" dirty="0">
-                        <a:latin typeface="Monospace"/>
-                      </a:endParaRPr>
-                    </a:p>
-                  </a:txBody>
-                  <a:tcPr marL="94025" marR="94025" marT="47013" marB="47013">
-                    <a:lnL w="12700" cap="flat" cmpd="sng" algn="ctr">
-                      <a:solidFill>
-                        <a:schemeClr val="tx1"/>
-                      </a:solidFill>
-                      <a:prstDash val="solid"/>
-                      <a:round/>
-                      <a:headEnd type="none" w="med" len="med"/>
-                      <a:tailEnd type="none" w="med" len="med"/>
-                    </a:lnL>
-                    <a:lnR w="12700" cap="flat" cmpd="sng" algn="ctr">
-                      <a:solidFill>
-                        <a:schemeClr val="tx1"/>
-                      </a:solidFill>
-                      <a:prstDash val="solid"/>
-                      <a:round/>
-                      <a:headEnd type="none" w="med" len="med"/>
-                      <a:tailEnd type="none" w="med" len="med"/>
-                    </a:lnR>
-                    <a:lnT w="12700" cap="flat" cmpd="sng" algn="ctr">
-                      <a:solidFill>
-                        <a:schemeClr val="tx1"/>
-                      </a:solidFill>
-                      <a:prstDash val="solid"/>
-                      <a:round/>
-                      <a:headEnd type="none" w="med" len="med"/>
-                      <a:tailEnd type="none" w="med" len="med"/>
-                    </a:lnT>
-                    <a:lnB w="12700" cap="flat" cmpd="sng" algn="ctr">
-                      <a:solidFill>
-                        <a:schemeClr val="tx1"/>
-                      </a:solidFill>
-                      <a:prstDash val="solid"/>
-                      <a:round/>
-                      <a:headEnd type="none" w="med" len="med"/>
-                      <a:tailEnd type="none" w="med" len="med"/>
-                    </a:lnB>
-                    <a:lnTlToBr w="12700" cmpd="sng">
-                      <a:noFill/>
-                      <a:prstDash val="solid"/>
-                    </a:lnTlToBr>
-                    <a:lnBlToTr w="12700" cmpd="sng">
-                      <a:noFill/>
-                      <a:prstDash val="solid"/>
-                    </a:lnBlToTr>
-                    <a:pattFill prst="pct5">
-                      <a:fgClr>
-                        <a:schemeClr val="lt1"/>
-                      </a:fgClr>
-                      <a:bgClr>
-                        <a:schemeClr val="bg1"/>
-                      </a:bgClr>
-                    </a:pattFill>
-                  </a:tcPr>
-                </a:tc>
-                <a:extLst>
-                  <a:ext uri="{0D108BD9-81ED-4DB2-BD59-A6C34878D82A}">
-                    <a16:rowId xmlns:a16="http://schemas.microsoft.com/office/drawing/2014/main" val="1922863780"/>
-                  </a:ext>
-                </a:extLst>
-              </a:tr>
-              <a:tr h="528575">
-                <a:tc>
-                  <a:txBody>
-                    <a:bodyPr/>
-                    <a:lstStyle/>
-                    <a:p>
-                      <a:pPr marL="0" marR="0" lvl="0" indent="0" algn="l" defTabSz="914400" rtl="0" eaLnBrk="1" fontAlgn="auto" latinLnBrk="0" hangingPunct="1">
-                        <a:lnSpc>
-                          <a:spcPct val="100000"/>
-                        </a:lnSpc>
-                        <a:spcBef>
-                          <a:spcPts val="0"/>
-                        </a:spcBef>
-                        <a:spcAft>
-                          <a:spcPts val="0"/>
-                        </a:spcAft>
-                        <a:buClr>
-                          <a:srgbClr val="000000"/>
-                        </a:buClr>
-                        <a:buSzTx/>
-                        <a:buFont typeface="Arial"/>
-                        <a:buNone/>
-                        <a:tabLst/>
-                        <a:defRPr/>
-                      </a:pPr>
-                      <a:r>
-                        <a:rPr lang="de-DE" sz="1400" dirty="0" err="1">
-                          <a:latin typeface="Monospace"/>
-                        </a:rPr>
-                        <a:t>Sklearn</a:t>
-                      </a:r>
-                      <a:endParaRPr lang="de-DE" sz="1400" dirty="0">
-                        <a:latin typeface="Monospace"/>
-                      </a:endParaRPr>
-                    </a:p>
-                    <a:p>
-                      <a:endParaRPr lang="de-DE" sz="1400" dirty="0">
-                        <a:latin typeface="Monospace"/>
-                      </a:endParaRPr>
-                    </a:p>
-                  </a:txBody>
-                  <a:tcPr marL="94025" marR="94025" marT="47013" marB="47013">
-                    <a:lnL w="12700" cap="flat" cmpd="sng" algn="ctr">
-                      <a:solidFill>
-                        <a:schemeClr val="tx1"/>
-                      </a:solidFill>
-                      <a:prstDash val="solid"/>
-                      <a:round/>
-                      <a:headEnd type="none" w="med" len="med"/>
-                      <a:tailEnd type="none" w="med" len="med"/>
-                    </a:lnL>
-                    <a:lnR w="12700" cap="flat" cmpd="sng" algn="ctr">
-                      <a:solidFill>
-                        <a:schemeClr val="tx1"/>
-                      </a:solidFill>
-                      <a:prstDash val="solid"/>
-                      <a:round/>
-                      <a:headEnd type="none" w="med" len="med"/>
-                      <a:tailEnd type="none" w="med" len="med"/>
-                    </a:lnR>
-                    <a:lnT w="12700" cap="flat" cmpd="sng" algn="ctr">
-                      <a:solidFill>
-                        <a:schemeClr val="tx1"/>
-                      </a:solidFill>
-                      <a:prstDash val="solid"/>
-                      <a:round/>
-                      <a:headEnd type="none" w="med" len="med"/>
-                      <a:tailEnd type="none" w="med" len="med"/>
-                    </a:lnT>
-                    <a:lnB w="12700" cap="flat" cmpd="sng" algn="ctr">
-                      <a:solidFill>
-                        <a:schemeClr val="tx1"/>
-                      </a:solidFill>
-                      <a:prstDash val="solid"/>
-                      <a:round/>
-                      <a:headEnd type="none" w="med" len="med"/>
-                      <a:tailEnd type="none" w="med" len="med"/>
-                    </a:lnB>
-                    <a:lnTlToBr w="12700" cmpd="sng">
-                      <a:noFill/>
-                      <a:prstDash val="solid"/>
-                    </a:lnTlToBr>
-                    <a:lnBlToTr w="12700" cmpd="sng">
-                      <a:noFill/>
-                      <a:prstDash val="solid"/>
-                    </a:lnBlToTr>
-                    <a:pattFill prst="pct5">
-                      <a:fgClr>
-                        <a:schemeClr val="lt1"/>
-                      </a:fgClr>
-                      <a:bgClr>
-                        <a:schemeClr val="bg1"/>
-                      </a:bgClr>
-                    </a:pattFill>
-                  </a:tcPr>
-                </a:tc>
-                <a:tc>
-                  <a:txBody>
-                    <a:bodyPr/>
-                    <a:lstStyle/>
-                    <a:p>
-                      <a:r>
-                        <a:rPr lang="de-DE" sz="1400" dirty="0">
-                          <a:latin typeface="Monospace"/>
-                        </a:rPr>
-                        <a:t>0.38</a:t>
-                      </a:r>
-                    </a:p>
-                  </a:txBody>
-                  <a:tcPr marL="94025" marR="94025" marT="47013" marB="47013">
-                    <a:lnL w="12700" cap="flat" cmpd="sng" algn="ctr">
-                      <a:solidFill>
-                        <a:schemeClr val="tx1"/>
-                      </a:solidFill>
-                      <a:prstDash val="solid"/>
-                      <a:round/>
-                      <a:headEnd type="none" w="med" len="med"/>
-                      <a:tailEnd type="none" w="med" len="med"/>
-                    </a:lnL>
-                    <a:lnR w="12700" cap="flat" cmpd="sng" algn="ctr">
-                      <a:solidFill>
-                        <a:schemeClr val="tx1"/>
-                      </a:solidFill>
-                      <a:prstDash val="solid"/>
-                      <a:round/>
-                      <a:headEnd type="none" w="med" len="med"/>
-                      <a:tailEnd type="none" w="med" len="med"/>
-                    </a:lnR>
-                    <a:lnT w="12700" cap="flat" cmpd="sng" algn="ctr">
-                      <a:solidFill>
-                        <a:schemeClr val="tx1"/>
-                      </a:solidFill>
-                      <a:prstDash val="solid"/>
-                      <a:round/>
-                      <a:headEnd type="none" w="med" len="med"/>
-                      <a:tailEnd type="none" w="med" len="med"/>
-                    </a:lnT>
-                    <a:lnB w="12700" cap="flat" cmpd="sng" algn="ctr">
-                      <a:solidFill>
-                        <a:schemeClr val="tx1"/>
-                      </a:solidFill>
-                      <a:prstDash val="solid"/>
-                      <a:round/>
-                      <a:headEnd type="none" w="med" len="med"/>
-                      <a:tailEnd type="none" w="med" len="med"/>
-                    </a:lnB>
-                    <a:lnTlToBr w="12700" cmpd="sng">
-                      <a:noFill/>
-                      <a:prstDash val="solid"/>
-                    </a:lnTlToBr>
-                    <a:lnBlToTr w="12700" cmpd="sng">
-                      <a:noFill/>
-                      <a:prstDash val="solid"/>
-                    </a:lnBlToTr>
-                    <a:pattFill prst="pct5">
-                      <a:fgClr>
-                        <a:schemeClr val="lt1"/>
-                      </a:fgClr>
-                      <a:bgClr>
-                        <a:schemeClr val="bg1"/>
-                      </a:bgClr>
-                    </a:pattFill>
-                  </a:tcPr>
-                </a:tc>
-                <a:tc>
-                  <a:txBody>
-                    <a:bodyPr/>
-                    <a:lstStyle/>
-                    <a:p>
-                      <a:r>
-                        <a:rPr lang="en-US" sz="1400" b="0" i="0" u="none" strike="noStrike" cap="none" dirty="0">
-                          <a:solidFill>
-                            <a:srgbClr val="000000"/>
-                          </a:solidFill>
-                          <a:effectLst/>
-                          <a:latin typeface="Arial"/>
-                          <a:ea typeface="Arial"/>
-                          <a:cs typeface="Arial"/>
-                          <a:sym typeface="Arial"/>
-                        </a:rPr>
-                        <a:t>{'activation': '</a:t>
-                      </a:r>
-                      <a:r>
-                        <a:rPr lang="en-US" sz="1400" b="0" i="0" u="none" strike="noStrike" cap="none" dirty="0" err="1">
-                          <a:solidFill>
-                            <a:srgbClr val="000000"/>
-                          </a:solidFill>
-                          <a:effectLst/>
-                          <a:latin typeface="Arial"/>
-                          <a:ea typeface="Arial"/>
-                          <a:cs typeface="Arial"/>
-                          <a:sym typeface="Arial"/>
-                        </a:rPr>
-                        <a:t>relu</a:t>
-                      </a:r>
-                      <a:r>
-                        <a:rPr lang="en-US" sz="1400" b="0" i="0" u="none" strike="noStrike" cap="none" dirty="0">
-                          <a:solidFill>
-                            <a:srgbClr val="000000"/>
-                          </a:solidFill>
-                          <a:effectLst/>
-                          <a:latin typeface="Arial"/>
-                          <a:ea typeface="Arial"/>
-                          <a:cs typeface="Arial"/>
-                          <a:sym typeface="Arial"/>
-                        </a:rPr>
-                        <a:t>',</a:t>
-                      </a:r>
-                      <a:r>
-                        <a:rPr lang="en-US" sz="1400" b="0" i="0" u="none" strike="noStrike" cap="none" dirty="0" err="1">
-                          <a:solidFill>
-                            <a:srgbClr val="000000"/>
-                          </a:solidFill>
-                          <a:effectLst/>
-                          <a:latin typeface="Arial"/>
-                          <a:ea typeface="Arial"/>
-                          <a:cs typeface="Arial"/>
-                          <a:sym typeface="Arial"/>
-                        </a:rPr>
-                        <a:t>learning_rate_init</a:t>
-                      </a:r>
-                      <a:r>
-                        <a:rPr lang="en-US" sz="1400" b="0" i="0" u="none" strike="noStrike" cap="none" dirty="0">
-                          <a:solidFill>
-                            <a:srgbClr val="000000"/>
-                          </a:solidFill>
-                          <a:effectLst/>
-                          <a:latin typeface="Arial"/>
-                          <a:ea typeface="Arial"/>
-                          <a:cs typeface="Arial"/>
-                          <a:sym typeface="Arial"/>
-                        </a:rPr>
-                        <a:t>': 0.1, '</a:t>
-                      </a:r>
-                      <a:r>
-                        <a:rPr lang="en-US" sz="1400" b="0" i="0" u="none" strike="noStrike" cap="none" dirty="0" err="1">
-                          <a:solidFill>
-                            <a:srgbClr val="000000"/>
-                          </a:solidFill>
-                          <a:effectLst/>
-                          <a:latin typeface="Arial"/>
-                          <a:ea typeface="Arial"/>
-                          <a:cs typeface="Arial"/>
-                          <a:sym typeface="Arial"/>
-                        </a:rPr>
-                        <a:t>learning_rate</a:t>
-                      </a:r>
-                      <a:r>
-                        <a:rPr lang="en-US" sz="1400" b="0" i="0" u="none" strike="noStrike" cap="none" dirty="0">
-                          <a:solidFill>
-                            <a:srgbClr val="000000"/>
-                          </a:solidFill>
-                          <a:effectLst/>
-                          <a:latin typeface="Arial"/>
-                          <a:ea typeface="Arial"/>
-                          <a:cs typeface="Arial"/>
-                          <a:sym typeface="Arial"/>
-                        </a:rPr>
-                        <a:t>': 'constant', '</a:t>
-                      </a:r>
-                      <a:r>
-                        <a:rPr lang="en-US" sz="1400" b="0" i="0" u="none" strike="noStrike" cap="none" dirty="0" err="1">
-                          <a:solidFill>
-                            <a:srgbClr val="000000"/>
-                          </a:solidFill>
-                          <a:effectLst/>
-                          <a:latin typeface="Arial"/>
-                          <a:ea typeface="Arial"/>
-                          <a:cs typeface="Arial"/>
-                          <a:sym typeface="Arial"/>
-                        </a:rPr>
-                        <a:t>max_iter</a:t>
-                      </a:r>
-                      <a:r>
-                        <a:rPr lang="en-US" sz="1400" b="0" i="0" u="none" strike="noStrike" cap="none" dirty="0">
-                          <a:solidFill>
-                            <a:srgbClr val="000000"/>
-                          </a:solidFill>
-                          <a:effectLst/>
-                          <a:latin typeface="Arial"/>
-                          <a:ea typeface="Arial"/>
-                          <a:cs typeface="Arial"/>
-                          <a:sym typeface="Arial"/>
-                        </a:rPr>
-                        <a:t>': 100, '</a:t>
-                      </a:r>
-                      <a:r>
-                        <a:rPr lang="en-US" sz="1400" b="0" i="0" u="none" strike="noStrike" cap="none" dirty="0" err="1">
-                          <a:solidFill>
-                            <a:srgbClr val="000000"/>
-                          </a:solidFill>
-                          <a:effectLst/>
-                          <a:latin typeface="Arial"/>
-                          <a:ea typeface="Arial"/>
-                          <a:cs typeface="Arial"/>
-                          <a:sym typeface="Arial"/>
-                        </a:rPr>
-                        <a:t>hidden_layer_sizes</a:t>
-                      </a:r>
-                      <a:r>
-                        <a:rPr lang="en-US" sz="1400" b="0" i="0" u="none" strike="noStrike" cap="none" dirty="0">
-                          <a:solidFill>
-                            <a:srgbClr val="000000"/>
-                          </a:solidFill>
-                          <a:effectLst/>
-                          <a:latin typeface="Arial"/>
-                          <a:ea typeface="Arial"/>
-                          <a:cs typeface="Arial"/>
-                          <a:sym typeface="Arial"/>
-                        </a:rPr>
-                        <a:t>': [20, 20, 20]}</a:t>
-                      </a:r>
-                      <a:endParaRPr lang="de-DE" sz="1400" dirty="0">
-                        <a:latin typeface="Monospace"/>
-                      </a:endParaRPr>
-                    </a:p>
-                  </a:txBody>
-                  <a:tcPr marL="94025" marR="94025" marT="47013" marB="47013">
-                    <a:lnL w="12700" cap="flat" cmpd="sng" algn="ctr">
-                      <a:solidFill>
-                        <a:schemeClr val="tx1"/>
-                      </a:solidFill>
-                      <a:prstDash val="solid"/>
-                      <a:round/>
-                      <a:headEnd type="none" w="med" len="med"/>
-                      <a:tailEnd type="none" w="med" len="med"/>
-                    </a:lnL>
-                    <a:lnR w="12700" cap="flat" cmpd="sng" algn="ctr">
-                      <a:solidFill>
-                        <a:schemeClr val="tx1"/>
-                      </a:solidFill>
-                      <a:prstDash val="solid"/>
-                      <a:round/>
-                      <a:headEnd type="none" w="med" len="med"/>
-                      <a:tailEnd type="none" w="med" len="med"/>
-                    </a:lnR>
-                    <a:lnT w="12700" cap="flat" cmpd="sng" algn="ctr">
-                      <a:solidFill>
-                        <a:schemeClr val="tx1"/>
-                      </a:solidFill>
-                      <a:prstDash val="solid"/>
-                      <a:round/>
-                      <a:headEnd type="none" w="med" len="med"/>
-                      <a:tailEnd type="none" w="med" len="med"/>
-                    </a:lnT>
-                    <a:lnB w="12700" cap="flat" cmpd="sng" algn="ctr">
-                      <a:solidFill>
-                        <a:schemeClr val="tx1"/>
-                      </a:solidFill>
-                      <a:prstDash val="solid"/>
-                      <a:round/>
-                      <a:headEnd type="none" w="med" len="med"/>
-                      <a:tailEnd type="none" w="med" len="med"/>
-                    </a:lnB>
-                    <a:lnTlToBr w="12700" cmpd="sng">
-                      <a:noFill/>
-                      <a:prstDash val="solid"/>
-                    </a:lnTlToBr>
-                    <a:lnBlToTr w="12700" cmpd="sng">
-                      <a:noFill/>
-                      <a:prstDash val="solid"/>
-                    </a:lnBlToTr>
-                    <a:pattFill prst="pct5">
-                      <a:fgClr>
-                        <a:schemeClr val="lt1"/>
-                      </a:fgClr>
-                      <a:bgClr>
-                        <a:schemeClr val="bg1"/>
-                      </a:bgClr>
-                    </a:pattFill>
-                  </a:tcPr>
-                </a:tc>
-                <a:extLst>
-                  <a:ext uri="{0D108BD9-81ED-4DB2-BD59-A6C34878D82A}">
-                    <a16:rowId xmlns:a16="http://schemas.microsoft.com/office/drawing/2014/main" val="1280882318"/>
-                  </a:ext>
-                </a:extLst>
-              </a:tr>
-              <a:tr h="381325">
-                <a:tc>
-                  <a:txBody>
-                    <a:bodyPr/>
-                    <a:lstStyle/>
-                    <a:p>
-                      <a:r>
-                        <a:rPr lang="de-DE" sz="1400" dirty="0" err="1">
-                          <a:latin typeface="Monospace"/>
-                        </a:rPr>
-                        <a:t>RandomForest</a:t>
-                      </a:r>
-                      <a:endParaRPr lang="de-DE" sz="1400" dirty="0">
-                        <a:latin typeface="Monospace"/>
-                      </a:endParaRPr>
-                    </a:p>
-                  </a:txBody>
-                  <a:tcPr marL="94025" marR="94025" marT="47013" marB="47013">
-                    <a:lnL w="12700" cap="flat" cmpd="sng" algn="ctr">
-                      <a:solidFill>
-                        <a:schemeClr val="tx1"/>
-                      </a:solidFill>
-                      <a:prstDash val="solid"/>
-                      <a:round/>
-                      <a:headEnd type="none" w="med" len="med"/>
-                      <a:tailEnd type="none" w="med" len="med"/>
-                    </a:lnL>
-                    <a:lnR w="12700" cap="flat" cmpd="sng" algn="ctr">
-                      <a:solidFill>
-                        <a:schemeClr val="tx1"/>
-                      </a:solidFill>
-                      <a:prstDash val="solid"/>
-                      <a:round/>
-                      <a:headEnd type="none" w="med" len="med"/>
-                      <a:tailEnd type="none" w="med" len="med"/>
-                    </a:lnR>
-                    <a:lnT w="12700" cap="flat" cmpd="sng" algn="ctr">
-                      <a:solidFill>
-                        <a:schemeClr val="tx1"/>
-                      </a:solidFill>
-                      <a:prstDash val="solid"/>
-                      <a:round/>
-                      <a:headEnd type="none" w="med" len="med"/>
-                      <a:tailEnd type="none" w="med" len="med"/>
-                    </a:lnT>
-                    <a:lnB w="12700" cap="flat" cmpd="sng" algn="ctr">
-                      <a:solidFill>
-                        <a:schemeClr val="tx1"/>
-                      </a:solidFill>
-                      <a:prstDash val="solid"/>
-                      <a:round/>
-                      <a:headEnd type="none" w="med" len="med"/>
-                      <a:tailEnd type="none" w="med" len="med"/>
-                    </a:lnB>
-                    <a:lnTlToBr w="12700" cmpd="sng">
-                      <a:noFill/>
-                      <a:prstDash val="solid"/>
-                    </a:lnTlToBr>
-                    <a:lnBlToTr w="12700" cmpd="sng">
-                      <a:noFill/>
-                      <a:prstDash val="solid"/>
-                    </a:lnBlToTr>
-                    <a:pattFill prst="pct5">
-                      <a:fgClr>
-                        <a:schemeClr val="lt1"/>
-                      </a:fgClr>
-                      <a:bgClr>
-                        <a:schemeClr val="bg1"/>
-                      </a:bgClr>
-                    </a:pattFill>
-                  </a:tcPr>
-                </a:tc>
-                <a:tc>
-                  <a:txBody>
-                    <a:bodyPr/>
-                    <a:lstStyle/>
-                    <a:p>
-                      <a:r>
-                        <a:rPr lang="de-DE" sz="1400" b="0" i="0" u="none" strike="noStrike" cap="none" dirty="0">
-                          <a:solidFill>
-                            <a:srgbClr val="000000"/>
-                          </a:solidFill>
-                          <a:effectLst/>
-                          <a:latin typeface="Arial"/>
-                          <a:ea typeface="Arial"/>
-                          <a:cs typeface="Arial"/>
-                          <a:sym typeface="Arial"/>
-                        </a:rPr>
-                        <a:t>0.74</a:t>
-                      </a:r>
-                      <a:endParaRPr lang="de-DE" sz="1400" dirty="0">
-                        <a:latin typeface="Monospace"/>
-                      </a:endParaRPr>
-                    </a:p>
-                  </a:txBody>
-                  <a:tcPr marL="94025" marR="94025" marT="47013" marB="47013">
-                    <a:lnL w="12700" cap="flat" cmpd="sng" algn="ctr">
-                      <a:solidFill>
-                        <a:schemeClr val="tx1"/>
-                      </a:solidFill>
-                      <a:prstDash val="solid"/>
-                      <a:round/>
-                      <a:headEnd type="none" w="med" len="med"/>
-                      <a:tailEnd type="none" w="med" len="med"/>
-                    </a:lnL>
-                    <a:lnR w="12700" cap="flat" cmpd="sng" algn="ctr">
-                      <a:solidFill>
-                        <a:schemeClr val="tx1"/>
-                      </a:solidFill>
-                      <a:prstDash val="solid"/>
-                      <a:round/>
-                      <a:headEnd type="none" w="med" len="med"/>
-                      <a:tailEnd type="none" w="med" len="med"/>
-                    </a:lnR>
-                    <a:lnT w="12700" cap="flat" cmpd="sng" algn="ctr">
-                      <a:solidFill>
-                        <a:schemeClr val="tx1"/>
-                      </a:solidFill>
-                      <a:prstDash val="solid"/>
-                      <a:round/>
-                      <a:headEnd type="none" w="med" len="med"/>
-                      <a:tailEnd type="none" w="med" len="med"/>
-                    </a:lnT>
-                    <a:lnB w="12700" cap="flat" cmpd="sng" algn="ctr">
-                      <a:solidFill>
-                        <a:schemeClr val="tx1"/>
-                      </a:solidFill>
-                      <a:prstDash val="solid"/>
-                      <a:round/>
-                      <a:headEnd type="none" w="med" len="med"/>
-                      <a:tailEnd type="none" w="med" len="med"/>
-                    </a:lnB>
-                    <a:lnTlToBr w="12700" cmpd="sng">
-                      <a:noFill/>
-                      <a:prstDash val="solid"/>
-                    </a:lnTlToBr>
-                    <a:lnBlToTr w="12700" cmpd="sng">
-                      <a:noFill/>
-                      <a:prstDash val="solid"/>
-                    </a:lnBlToTr>
-                    <a:pattFill prst="pct5">
-                      <a:fgClr>
-                        <a:schemeClr val="lt1"/>
-                      </a:fgClr>
-                      <a:bgClr>
-                        <a:schemeClr val="bg1"/>
-                      </a:bgClr>
-                    </a:pattFill>
-                  </a:tcPr>
-                </a:tc>
-                <a:tc>
-                  <a:txBody>
-                    <a:bodyPr/>
-                    <a:lstStyle/>
-                    <a:p>
-                      <a:r>
-                        <a:rPr lang="de-DE" sz="1400" b="0" i="0" u="none" strike="noStrike" cap="none" dirty="0">
-                          <a:solidFill>
-                            <a:srgbClr val="000000"/>
-                          </a:solidFill>
-                          <a:effectLst/>
-                          <a:latin typeface="Arial"/>
-                          <a:ea typeface="Arial"/>
-                          <a:cs typeface="Arial"/>
-                          <a:sym typeface="Arial"/>
-                        </a:rPr>
-                        <a:t>{'</a:t>
-                      </a:r>
-                      <a:r>
-                        <a:rPr lang="de-DE" sz="1400" b="0" i="0" u="none" strike="noStrike" cap="none" dirty="0" err="1">
-                          <a:solidFill>
-                            <a:srgbClr val="000000"/>
-                          </a:solidFill>
-                          <a:effectLst/>
-                          <a:latin typeface="Arial"/>
-                          <a:ea typeface="Arial"/>
-                          <a:cs typeface="Arial"/>
-                          <a:sym typeface="Arial"/>
-                        </a:rPr>
-                        <a:t>max_features</a:t>
-                      </a:r>
-                      <a:r>
-                        <a:rPr lang="de-DE" sz="1400" b="0" i="0" u="none" strike="noStrike" cap="none" dirty="0">
-                          <a:solidFill>
-                            <a:srgbClr val="000000"/>
-                          </a:solidFill>
-                          <a:effectLst/>
-                          <a:latin typeface="Arial"/>
-                          <a:ea typeface="Arial"/>
-                          <a:cs typeface="Arial"/>
-                          <a:sym typeface="Arial"/>
-                        </a:rPr>
-                        <a:t>': '</a:t>
-                      </a:r>
-                      <a:r>
-                        <a:rPr lang="de-DE" sz="1400" b="0" i="0" u="none" strike="noStrike" cap="none" dirty="0" err="1">
-                          <a:solidFill>
-                            <a:srgbClr val="000000"/>
-                          </a:solidFill>
-                          <a:effectLst/>
-                          <a:latin typeface="Arial"/>
-                          <a:ea typeface="Arial"/>
-                          <a:cs typeface="Arial"/>
-                          <a:sym typeface="Arial"/>
-                        </a:rPr>
-                        <a:t>sqrt</a:t>
-                      </a:r>
-                      <a:r>
-                        <a:rPr lang="de-DE" sz="1400" b="0" i="0" u="none" strike="noStrike" cap="none" dirty="0">
-                          <a:solidFill>
-                            <a:srgbClr val="000000"/>
-                          </a:solidFill>
-                          <a:effectLst/>
-                          <a:latin typeface="Arial"/>
-                          <a:ea typeface="Arial"/>
-                          <a:cs typeface="Arial"/>
-                          <a:sym typeface="Arial"/>
-                        </a:rPr>
-                        <a:t>', '</a:t>
-                      </a:r>
-                      <a:r>
-                        <a:rPr lang="de-DE" sz="1400" b="0" i="0" u="none" strike="noStrike" cap="none" dirty="0" err="1">
-                          <a:solidFill>
-                            <a:srgbClr val="000000"/>
-                          </a:solidFill>
-                          <a:effectLst/>
-                          <a:latin typeface="Arial"/>
-                          <a:ea typeface="Arial"/>
-                          <a:cs typeface="Arial"/>
-                          <a:sym typeface="Arial"/>
-                        </a:rPr>
-                        <a:t>min_samples_split</a:t>
-                      </a:r>
-                      <a:r>
-                        <a:rPr lang="de-DE" sz="1400" b="0" i="0" u="none" strike="noStrike" cap="none" dirty="0">
-                          <a:solidFill>
-                            <a:srgbClr val="000000"/>
-                          </a:solidFill>
-                          <a:effectLst/>
-                          <a:latin typeface="Arial"/>
-                          <a:ea typeface="Arial"/>
-                          <a:cs typeface="Arial"/>
-                          <a:sym typeface="Arial"/>
-                        </a:rPr>
-                        <a:t>': 2, '</a:t>
-                      </a:r>
-                      <a:r>
-                        <a:rPr lang="de-DE" sz="1400" b="0" i="0" u="none" strike="noStrike" cap="none" dirty="0" err="1">
-                          <a:solidFill>
-                            <a:srgbClr val="000000"/>
-                          </a:solidFill>
-                          <a:effectLst/>
-                          <a:latin typeface="Arial"/>
-                          <a:ea typeface="Arial"/>
-                          <a:cs typeface="Arial"/>
-                          <a:sym typeface="Arial"/>
-                        </a:rPr>
-                        <a:t>n_estimators</a:t>
-                      </a:r>
-                      <a:r>
-                        <a:rPr lang="de-DE" sz="1400" b="0" i="0" u="none" strike="noStrike" cap="none" dirty="0">
-                          <a:solidFill>
-                            <a:srgbClr val="000000"/>
-                          </a:solidFill>
-                          <a:effectLst/>
-                          <a:latin typeface="Arial"/>
-                          <a:ea typeface="Arial"/>
-                          <a:cs typeface="Arial"/>
-                          <a:sym typeface="Arial"/>
-                        </a:rPr>
-                        <a:t>': 300}</a:t>
-                      </a:r>
-                      <a:endParaRPr lang="de-DE" sz="1400" dirty="0">
-                        <a:latin typeface="Monospace"/>
-                      </a:endParaRPr>
-                    </a:p>
-                  </a:txBody>
-                  <a:tcPr marL="94025" marR="94025" marT="47013" marB="47013">
-                    <a:lnL w="12700" cap="flat" cmpd="sng" algn="ctr">
-                      <a:solidFill>
-                        <a:schemeClr val="tx1"/>
-                      </a:solidFill>
-                      <a:prstDash val="solid"/>
-                      <a:round/>
-                      <a:headEnd type="none" w="med" len="med"/>
-                      <a:tailEnd type="none" w="med" len="med"/>
-                    </a:lnL>
-                    <a:lnR w="12700" cap="flat" cmpd="sng" algn="ctr">
-                      <a:solidFill>
-                        <a:schemeClr val="tx1"/>
-                      </a:solidFill>
-                      <a:prstDash val="solid"/>
-                      <a:round/>
-                      <a:headEnd type="none" w="med" len="med"/>
-                      <a:tailEnd type="none" w="med" len="med"/>
-                    </a:lnR>
-                    <a:lnT w="12700" cap="flat" cmpd="sng" algn="ctr">
-                      <a:solidFill>
-                        <a:schemeClr val="tx1"/>
-                      </a:solidFill>
-                      <a:prstDash val="solid"/>
-                      <a:round/>
-                      <a:headEnd type="none" w="med" len="med"/>
-                      <a:tailEnd type="none" w="med" len="med"/>
-                    </a:lnT>
-                    <a:lnB w="12700" cap="flat" cmpd="sng" algn="ctr">
-                      <a:solidFill>
-                        <a:schemeClr val="tx1"/>
-                      </a:solidFill>
-                      <a:prstDash val="solid"/>
-                      <a:round/>
-                      <a:headEnd type="none" w="med" len="med"/>
-                      <a:tailEnd type="none" w="med" len="med"/>
-                    </a:lnB>
-                    <a:lnTlToBr w="12700" cmpd="sng">
-                      <a:noFill/>
-                      <a:prstDash val="solid"/>
-                    </a:lnTlToBr>
-                    <a:lnBlToTr w="12700" cmpd="sng">
-                      <a:noFill/>
-                      <a:prstDash val="solid"/>
-                    </a:lnBlToTr>
-                    <a:pattFill prst="pct5">
-                      <a:fgClr>
-                        <a:schemeClr val="lt1"/>
-                      </a:fgClr>
-                      <a:bgClr>
-                        <a:schemeClr val="bg1"/>
-                      </a:bgClr>
-                    </a:pattFill>
-                  </a:tcPr>
-                </a:tc>
-                <a:extLst>
-                  <a:ext uri="{0D108BD9-81ED-4DB2-BD59-A6C34878D82A}">
-                    <a16:rowId xmlns:a16="http://schemas.microsoft.com/office/drawing/2014/main" val="967300304"/>
-                  </a:ext>
-                </a:extLst>
-              </a:tr>
-            </a:tbl>
-          </a:graphicData>
-        </a:graphic>
-      </p:graphicFrame>
-    </p:spTree>
-    <p:extLst>
-      <p:ext uri="{BB962C8B-B14F-4D97-AF65-F5344CB8AC3E}">
-        <p14:creationId xmlns:p14="http://schemas.microsoft.com/office/powerpoint/2010/main" val="350208694"/>
-      </p:ext>
-    </p:extLst>
-  </p:cSld>
-  <p:clrMapOvr>
-    <a:masterClrMapping/>
-  </p:clrMapOvr>
-</p:sld>
-</file>
-
-<file path=ppt/slides/slide11.xml><?xml version="1.0" encoding="utf-8"?>
-<p:sld xmlns:a="http://schemas.openxmlformats.org/drawingml/2006/main" xmlns:r="http://schemas.openxmlformats.org/officeDocument/2006/relationships" xmlns:p="http://schemas.openxmlformats.org/presentationml/2006/main">
-  <p:cSld>
-    <p:spTree>
-      <p:nvGrpSpPr>
-        <p:cNvPr id="1" name=""/>
-        <p:cNvGrpSpPr/>
-        <p:nvPr/>
-      </p:nvGrpSpPr>
-      <p:grpSpPr>
-        <a:xfrm>
-          <a:off x="0" y="0"/>
-          <a:ext cx="0" cy="0"/>
-          <a:chOff x="0" y="0"/>
-          <a:chExt cx="0" cy="0"/>
-        </a:xfrm>
-      </p:grpSpPr>
-      <p:sp>
-        <p:nvSpPr>
-          <p:cNvPr id="2" name="Titel 1">
-            <a:extLst>
-              <a:ext uri="{FF2B5EF4-FFF2-40B4-BE49-F238E27FC236}">
                 <a16:creationId xmlns:a16="http://schemas.microsoft.com/office/drawing/2014/main" id="{C921624C-2D56-218F-238C-60BD39354BF1}"/>
               </a:ext>
             </a:extLst>
@@ -30977,10 +29517,300 @@
       </p:sp>
       <p:sp>
         <p:nvSpPr>
-          <p:cNvPr id="3" name="Textfeld 2">
+          <p:cNvPr id="4" name="Titel 1">
             <a:extLst>
               <a:ext uri="{FF2B5EF4-FFF2-40B4-BE49-F238E27FC236}">
-                <a16:creationId xmlns:a16="http://schemas.microsoft.com/office/drawing/2014/main" id="{09AA9D18-41E3-4DC6-65DD-27A55858615D}"/>
+                <a16:creationId xmlns:a16="http://schemas.microsoft.com/office/drawing/2014/main" id="{5EA55186-C7D1-410B-4ECA-BEC06831967F}"/>
+              </a:ext>
+            </a:extLst>
+          </p:cNvPr>
+          <p:cNvSpPr txBox="1">
+            <a:spLocks/>
+          </p:cNvSpPr>
+          <p:nvPr/>
+        </p:nvSpPr>
+        <p:spPr>
+          <a:xfrm>
+            <a:off x="203750" y="1010862"/>
+            <a:ext cx="1898100" cy="841800"/>
+          </a:xfrm>
+          <a:prstGeom prst="rect">
+            <a:avLst/>
+          </a:prstGeom>
+          <a:noFill/>
+          <a:ln>
+            <a:noFill/>
+          </a:ln>
+        </p:spPr>
+        <p:txBody>
+          <a:bodyPr spcFirstLastPara="1" wrap="square" lIns="91425" tIns="91425" rIns="91425" bIns="91425" anchor="ctr" anchorCtr="0">
+            <a:normAutofit/>
+          </a:bodyPr>
+          <a:lstStyle>
+            <a:defPPr marR="0" lvl="0" algn="l" rtl="0">
+              <a:lnSpc>
+                <a:spcPct val="100000"/>
+              </a:lnSpc>
+              <a:spcBef>
+                <a:spcPts val="0"/>
+              </a:spcBef>
+              <a:spcAft>
+                <a:spcPts val="0"/>
+              </a:spcAft>
+            </a:defPPr>
+            <a:lvl1pPr marR="0" lvl="0" algn="ctr" rtl="0">
+              <a:lnSpc>
+                <a:spcPct val="100000"/>
+              </a:lnSpc>
+              <a:spcBef>
+                <a:spcPts val="0"/>
+              </a:spcBef>
+              <a:spcAft>
+                <a:spcPts val="0"/>
+              </a:spcAft>
+              <a:buClr>
+                <a:schemeClr val="dk1"/>
+              </a:buClr>
+              <a:buSzPts val="3600"/>
+              <a:buFont typeface="Fira Sans Extra Condensed"/>
+              <a:buNone/>
+              <a:defRPr sz="3600" b="1" i="0" u="none" strike="noStrike" cap="none">
+                <a:solidFill>
+                  <a:schemeClr val="dk1"/>
+                </a:solidFill>
+                <a:latin typeface="Fira Sans Extra Condensed"/>
+                <a:ea typeface="Fira Sans Extra Condensed"/>
+                <a:cs typeface="Fira Sans Extra Condensed"/>
+                <a:sym typeface="Fira Sans Extra Condensed"/>
+              </a:defRPr>
+            </a:lvl1pPr>
+            <a:lvl2pPr marR="0" lvl="1" algn="ctr" rtl="0">
+              <a:lnSpc>
+                <a:spcPct val="100000"/>
+              </a:lnSpc>
+              <a:spcBef>
+                <a:spcPts val="0"/>
+              </a:spcBef>
+              <a:spcAft>
+                <a:spcPts val="0"/>
+              </a:spcAft>
+              <a:buClr>
+                <a:schemeClr val="dk1"/>
+              </a:buClr>
+              <a:buSzPts val="3600"/>
+              <a:buFont typeface="Fira Sans Extra Condensed"/>
+              <a:buNone/>
+              <a:defRPr sz="3600" b="1" i="0" u="none" strike="noStrike" cap="none">
+                <a:solidFill>
+                  <a:schemeClr val="dk1"/>
+                </a:solidFill>
+                <a:latin typeface="Fira Sans Extra Condensed"/>
+                <a:ea typeface="Fira Sans Extra Condensed"/>
+                <a:cs typeface="Fira Sans Extra Condensed"/>
+                <a:sym typeface="Fira Sans Extra Condensed"/>
+              </a:defRPr>
+            </a:lvl2pPr>
+            <a:lvl3pPr marR="0" lvl="2" algn="ctr" rtl="0">
+              <a:lnSpc>
+                <a:spcPct val="100000"/>
+              </a:lnSpc>
+              <a:spcBef>
+                <a:spcPts val="0"/>
+              </a:spcBef>
+              <a:spcAft>
+                <a:spcPts val="0"/>
+              </a:spcAft>
+              <a:buClr>
+                <a:schemeClr val="dk1"/>
+              </a:buClr>
+              <a:buSzPts val="3600"/>
+              <a:buFont typeface="Fira Sans Extra Condensed"/>
+              <a:buNone/>
+              <a:defRPr sz="3600" b="1" i="0" u="none" strike="noStrike" cap="none">
+                <a:solidFill>
+                  <a:schemeClr val="dk1"/>
+                </a:solidFill>
+                <a:latin typeface="Fira Sans Extra Condensed"/>
+                <a:ea typeface="Fira Sans Extra Condensed"/>
+                <a:cs typeface="Fira Sans Extra Condensed"/>
+                <a:sym typeface="Fira Sans Extra Condensed"/>
+              </a:defRPr>
+            </a:lvl3pPr>
+            <a:lvl4pPr marR="0" lvl="3" algn="ctr" rtl="0">
+              <a:lnSpc>
+                <a:spcPct val="100000"/>
+              </a:lnSpc>
+              <a:spcBef>
+                <a:spcPts val="0"/>
+              </a:spcBef>
+              <a:spcAft>
+                <a:spcPts val="0"/>
+              </a:spcAft>
+              <a:buClr>
+                <a:schemeClr val="dk1"/>
+              </a:buClr>
+              <a:buSzPts val="3600"/>
+              <a:buFont typeface="Fira Sans Extra Condensed"/>
+              <a:buNone/>
+              <a:defRPr sz="3600" b="1" i="0" u="none" strike="noStrike" cap="none">
+                <a:solidFill>
+                  <a:schemeClr val="dk1"/>
+                </a:solidFill>
+                <a:latin typeface="Fira Sans Extra Condensed"/>
+                <a:ea typeface="Fira Sans Extra Condensed"/>
+                <a:cs typeface="Fira Sans Extra Condensed"/>
+                <a:sym typeface="Fira Sans Extra Condensed"/>
+              </a:defRPr>
+            </a:lvl4pPr>
+            <a:lvl5pPr marR="0" lvl="4" algn="ctr" rtl="0">
+              <a:lnSpc>
+                <a:spcPct val="100000"/>
+              </a:lnSpc>
+              <a:spcBef>
+                <a:spcPts val="0"/>
+              </a:spcBef>
+              <a:spcAft>
+                <a:spcPts val="0"/>
+              </a:spcAft>
+              <a:buClr>
+                <a:schemeClr val="dk1"/>
+              </a:buClr>
+              <a:buSzPts val="3600"/>
+              <a:buFont typeface="Fira Sans Extra Condensed"/>
+              <a:buNone/>
+              <a:defRPr sz="3600" b="1" i="0" u="none" strike="noStrike" cap="none">
+                <a:solidFill>
+                  <a:schemeClr val="dk1"/>
+                </a:solidFill>
+                <a:latin typeface="Fira Sans Extra Condensed"/>
+                <a:ea typeface="Fira Sans Extra Condensed"/>
+                <a:cs typeface="Fira Sans Extra Condensed"/>
+                <a:sym typeface="Fira Sans Extra Condensed"/>
+              </a:defRPr>
+            </a:lvl5pPr>
+            <a:lvl6pPr marR="0" lvl="5" algn="ctr" rtl="0">
+              <a:lnSpc>
+                <a:spcPct val="100000"/>
+              </a:lnSpc>
+              <a:spcBef>
+                <a:spcPts val="0"/>
+              </a:spcBef>
+              <a:spcAft>
+                <a:spcPts val="0"/>
+              </a:spcAft>
+              <a:buClr>
+                <a:schemeClr val="dk1"/>
+              </a:buClr>
+              <a:buSzPts val="3600"/>
+              <a:buFont typeface="Fira Sans Extra Condensed"/>
+              <a:buNone/>
+              <a:defRPr sz="3600" b="1" i="0" u="none" strike="noStrike" cap="none">
+                <a:solidFill>
+                  <a:schemeClr val="dk1"/>
+                </a:solidFill>
+                <a:latin typeface="Fira Sans Extra Condensed"/>
+                <a:ea typeface="Fira Sans Extra Condensed"/>
+                <a:cs typeface="Fira Sans Extra Condensed"/>
+                <a:sym typeface="Fira Sans Extra Condensed"/>
+              </a:defRPr>
+            </a:lvl6pPr>
+            <a:lvl7pPr marR="0" lvl="6" algn="ctr" rtl="0">
+              <a:lnSpc>
+                <a:spcPct val="100000"/>
+              </a:lnSpc>
+              <a:spcBef>
+                <a:spcPts val="0"/>
+              </a:spcBef>
+              <a:spcAft>
+                <a:spcPts val="0"/>
+              </a:spcAft>
+              <a:buClr>
+                <a:schemeClr val="dk1"/>
+              </a:buClr>
+              <a:buSzPts val="3600"/>
+              <a:buFont typeface="Fira Sans Extra Condensed"/>
+              <a:buNone/>
+              <a:defRPr sz="3600" b="1" i="0" u="none" strike="noStrike" cap="none">
+                <a:solidFill>
+                  <a:schemeClr val="dk1"/>
+                </a:solidFill>
+                <a:latin typeface="Fira Sans Extra Condensed"/>
+                <a:ea typeface="Fira Sans Extra Condensed"/>
+                <a:cs typeface="Fira Sans Extra Condensed"/>
+                <a:sym typeface="Fira Sans Extra Condensed"/>
+              </a:defRPr>
+            </a:lvl7pPr>
+            <a:lvl8pPr marR="0" lvl="7" algn="ctr" rtl="0">
+              <a:lnSpc>
+                <a:spcPct val="100000"/>
+              </a:lnSpc>
+              <a:spcBef>
+                <a:spcPts val="0"/>
+              </a:spcBef>
+              <a:spcAft>
+                <a:spcPts val="0"/>
+              </a:spcAft>
+              <a:buClr>
+                <a:schemeClr val="dk1"/>
+              </a:buClr>
+              <a:buSzPts val="3600"/>
+              <a:buFont typeface="Fira Sans Extra Condensed"/>
+              <a:buNone/>
+              <a:defRPr sz="3600" b="1" i="0" u="none" strike="noStrike" cap="none">
+                <a:solidFill>
+                  <a:schemeClr val="dk1"/>
+                </a:solidFill>
+                <a:latin typeface="Fira Sans Extra Condensed"/>
+                <a:ea typeface="Fira Sans Extra Condensed"/>
+                <a:cs typeface="Fira Sans Extra Condensed"/>
+                <a:sym typeface="Fira Sans Extra Condensed"/>
+              </a:defRPr>
+            </a:lvl8pPr>
+            <a:lvl9pPr marR="0" lvl="8" algn="ctr" rtl="0">
+              <a:lnSpc>
+                <a:spcPct val="100000"/>
+              </a:lnSpc>
+              <a:spcBef>
+                <a:spcPts val="0"/>
+              </a:spcBef>
+              <a:spcAft>
+                <a:spcPts val="0"/>
+              </a:spcAft>
+              <a:buClr>
+                <a:schemeClr val="dk1"/>
+              </a:buClr>
+              <a:buSzPts val="3600"/>
+              <a:buFont typeface="Fira Sans Extra Condensed"/>
+              <a:buNone/>
+              <a:defRPr sz="3600" b="1" i="0" u="none" strike="noStrike" cap="none">
+                <a:solidFill>
+                  <a:schemeClr val="dk1"/>
+                </a:solidFill>
+                <a:latin typeface="Fira Sans Extra Condensed"/>
+                <a:ea typeface="Fira Sans Extra Condensed"/>
+                <a:cs typeface="Fira Sans Extra Condensed"/>
+                <a:sym typeface="Fira Sans Extra Condensed"/>
+              </a:defRPr>
+            </a:lvl9pPr>
+          </a:lstStyle>
+          <a:p>
+            <a:r>
+              <a:rPr lang="de-DE" sz="2000" dirty="0" err="1"/>
+              <a:t>Congressional</a:t>
+            </a:r>
+            <a:r>
+              <a:rPr lang="de-DE" sz="2000" dirty="0"/>
+              <a:t> Voting Dataset</a:t>
+            </a:r>
+          </a:p>
+        </p:txBody>
+      </p:sp>
+      <p:sp>
+        <p:nvSpPr>
+          <p:cNvPr id="5" name="Textfeld 4">
+            <a:extLst>
+              <a:ext uri="{FF2B5EF4-FFF2-40B4-BE49-F238E27FC236}">
+                <a16:creationId xmlns:a16="http://schemas.microsoft.com/office/drawing/2014/main" id="{FA09985D-7708-7636-D556-05AAB50C861F}"/>
               </a:ext>
             </a:extLst>
           </p:cNvPr>
@@ -30989,8 +29819,416 @@
         </p:nvSpPr>
         <p:spPr>
           <a:xfrm>
-            <a:off x="381000" y="1119400"/>
-            <a:ext cx="8274050" cy="1077218"/>
+            <a:off x="2101850" y="1062430"/>
+            <a:ext cx="4769254" cy="738664"/>
+          </a:xfrm>
+          <a:prstGeom prst="rect">
+            <a:avLst/>
+          </a:prstGeom>
+          <a:noFill/>
+        </p:spPr>
+        <p:txBody>
+          <a:bodyPr wrap="none" rtlCol="0">
+            <a:spAutoFit/>
+          </a:bodyPr>
+          <a:lstStyle/>
+          <a:p>
+            <a:pPr marL="285750" indent="-285750">
+              <a:buFont typeface="Wingdings" panose="05000000000000000000" pitchFamily="2" charset="2"/>
+              <a:buChar char="§"/>
+            </a:pPr>
+            <a:r>
+              <a:rPr lang="de-DE" sz="1400" dirty="0"/>
+              <a:t>F1 score of </a:t>
+            </a:r>
+            <a:r>
+              <a:rPr lang="de-DE" sz="1400" dirty="0" err="1"/>
+              <a:t>self</a:t>
+            </a:r>
+            <a:r>
+              <a:rPr lang="de-DE" sz="1400" dirty="0"/>
+              <a:t> </a:t>
+            </a:r>
+            <a:r>
+              <a:rPr lang="de-DE" sz="1400" dirty="0" err="1"/>
+              <a:t>coded</a:t>
+            </a:r>
+            <a:r>
+              <a:rPr lang="de-DE" sz="1400" dirty="0"/>
+              <a:t> NN 3 </a:t>
+            </a:r>
+            <a:r>
+              <a:rPr lang="de-DE" sz="1400" dirty="0" err="1"/>
+              <a:t>percentage</a:t>
+            </a:r>
+            <a:r>
+              <a:rPr lang="de-DE" sz="1400" dirty="0"/>
+              <a:t> </a:t>
+            </a:r>
+            <a:r>
+              <a:rPr lang="de-DE" sz="1400" dirty="0" err="1"/>
+              <a:t>points</a:t>
+            </a:r>
+            <a:r>
+              <a:rPr lang="de-DE" sz="1400" dirty="0"/>
+              <a:t> </a:t>
+            </a:r>
+            <a:r>
+              <a:rPr lang="de-DE" sz="1400" dirty="0" err="1"/>
+              <a:t>bettere</a:t>
+            </a:r>
+            <a:endParaRPr lang="de-DE" sz="1400" dirty="0"/>
+          </a:p>
+          <a:p>
+            <a:pPr marL="285750" indent="-285750">
+              <a:buFont typeface="Wingdings" panose="05000000000000000000" pitchFamily="2" charset="2"/>
+              <a:buChar char="§"/>
+            </a:pPr>
+            <a:r>
+              <a:rPr lang="de-DE" sz="1400" dirty="0" err="1"/>
+              <a:t>However</a:t>
+            </a:r>
+            <a:r>
+              <a:rPr lang="de-DE" sz="1400" dirty="0"/>
+              <a:t>, </a:t>
+            </a:r>
+            <a:r>
+              <a:rPr lang="de-DE" sz="1400" dirty="0" err="1"/>
+              <a:t>runtime</a:t>
+            </a:r>
+            <a:r>
+              <a:rPr lang="de-DE" sz="1400" dirty="0"/>
+              <a:t> </a:t>
+            </a:r>
+            <a:r>
+              <a:rPr lang="de-DE" dirty="0"/>
+              <a:t>was </a:t>
+            </a:r>
+            <a:r>
+              <a:rPr lang="de-DE" dirty="0" err="1"/>
+              <a:t>significantly</a:t>
+            </a:r>
+            <a:r>
+              <a:rPr lang="de-DE" dirty="0"/>
+              <a:t> </a:t>
+            </a:r>
+            <a:r>
+              <a:rPr lang="de-DE" dirty="0" err="1"/>
+              <a:t>higher</a:t>
+            </a:r>
+            <a:endParaRPr lang="de-DE" sz="1400" dirty="0"/>
+          </a:p>
+          <a:p>
+            <a:endParaRPr lang="de-DE" dirty="0"/>
+          </a:p>
+        </p:txBody>
+      </p:sp>
+      <p:sp>
+        <p:nvSpPr>
+          <p:cNvPr id="6" name="Titel 1">
+            <a:extLst>
+              <a:ext uri="{FF2B5EF4-FFF2-40B4-BE49-F238E27FC236}">
+                <a16:creationId xmlns:a16="http://schemas.microsoft.com/office/drawing/2014/main" id="{8C0A0A1C-494C-FCE9-CFCE-3F335F694ABB}"/>
+              </a:ext>
+            </a:extLst>
+          </p:cNvPr>
+          <p:cNvSpPr txBox="1">
+            <a:spLocks/>
+          </p:cNvSpPr>
+          <p:nvPr/>
+        </p:nvSpPr>
+        <p:spPr>
+          <a:xfrm>
+            <a:off x="111601" y="2714813"/>
+            <a:ext cx="1898100" cy="841800"/>
+          </a:xfrm>
+          <a:prstGeom prst="rect">
+            <a:avLst/>
+          </a:prstGeom>
+          <a:noFill/>
+          <a:ln>
+            <a:noFill/>
+          </a:ln>
+        </p:spPr>
+        <p:txBody>
+          <a:bodyPr spcFirstLastPara="1" wrap="square" lIns="91425" tIns="91425" rIns="91425" bIns="91425" anchor="ctr" anchorCtr="0">
+            <a:normAutofit/>
+          </a:bodyPr>
+          <a:lstStyle>
+            <a:defPPr marR="0" lvl="0" algn="l" rtl="0">
+              <a:lnSpc>
+                <a:spcPct val="100000"/>
+              </a:lnSpc>
+              <a:spcBef>
+                <a:spcPts val="0"/>
+              </a:spcBef>
+              <a:spcAft>
+                <a:spcPts val="0"/>
+              </a:spcAft>
+            </a:defPPr>
+            <a:lvl1pPr marR="0" lvl="0" algn="ctr" rtl="0">
+              <a:lnSpc>
+                <a:spcPct val="100000"/>
+              </a:lnSpc>
+              <a:spcBef>
+                <a:spcPts val="0"/>
+              </a:spcBef>
+              <a:spcAft>
+                <a:spcPts val="0"/>
+              </a:spcAft>
+              <a:buClr>
+                <a:schemeClr val="dk1"/>
+              </a:buClr>
+              <a:buSzPts val="3600"/>
+              <a:buFont typeface="Fira Sans Extra Condensed"/>
+              <a:buNone/>
+              <a:defRPr sz="3600" b="1" i="0" u="none" strike="noStrike" cap="none">
+                <a:solidFill>
+                  <a:schemeClr val="dk1"/>
+                </a:solidFill>
+                <a:latin typeface="Fira Sans Extra Condensed"/>
+                <a:ea typeface="Fira Sans Extra Condensed"/>
+                <a:cs typeface="Fira Sans Extra Condensed"/>
+                <a:sym typeface="Fira Sans Extra Condensed"/>
+              </a:defRPr>
+            </a:lvl1pPr>
+            <a:lvl2pPr marR="0" lvl="1" algn="ctr" rtl="0">
+              <a:lnSpc>
+                <a:spcPct val="100000"/>
+              </a:lnSpc>
+              <a:spcBef>
+                <a:spcPts val="0"/>
+              </a:spcBef>
+              <a:spcAft>
+                <a:spcPts val="0"/>
+              </a:spcAft>
+              <a:buClr>
+                <a:schemeClr val="dk1"/>
+              </a:buClr>
+              <a:buSzPts val="3600"/>
+              <a:buFont typeface="Fira Sans Extra Condensed"/>
+              <a:buNone/>
+              <a:defRPr sz="3600" b="1" i="0" u="none" strike="noStrike" cap="none">
+                <a:solidFill>
+                  <a:schemeClr val="dk1"/>
+                </a:solidFill>
+                <a:latin typeface="Fira Sans Extra Condensed"/>
+                <a:ea typeface="Fira Sans Extra Condensed"/>
+                <a:cs typeface="Fira Sans Extra Condensed"/>
+                <a:sym typeface="Fira Sans Extra Condensed"/>
+              </a:defRPr>
+            </a:lvl2pPr>
+            <a:lvl3pPr marR="0" lvl="2" algn="ctr" rtl="0">
+              <a:lnSpc>
+                <a:spcPct val="100000"/>
+              </a:lnSpc>
+              <a:spcBef>
+                <a:spcPts val="0"/>
+              </a:spcBef>
+              <a:spcAft>
+                <a:spcPts val="0"/>
+              </a:spcAft>
+              <a:buClr>
+                <a:schemeClr val="dk1"/>
+              </a:buClr>
+              <a:buSzPts val="3600"/>
+              <a:buFont typeface="Fira Sans Extra Condensed"/>
+              <a:buNone/>
+              <a:defRPr sz="3600" b="1" i="0" u="none" strike="noStrike" cap="none">
+                <a:solidFill>
+                  <a:schemeClr val="dk1"/>
+                </a:solidFill>
+                <a:latin typeface="Fira Sans Extra Condensed"/>
+                <a:ea typeface="Fira Sans Extra Condensed"/>
+                <a:cs typeface="Fira Sans Extra Condensed"/>
+                <a:sym typeface="Fira Sans Extra Condensed"/>
+              </a:defRPr>
+            </a:lvl3pPr>
+            <a:lvl4pPr marR="0" lvl="3" algn="ctr" rtl="0">
+              <a:lnSpc>
+                <a:spcPct val="100000"/>
+              </a:lnSpc>
+              <a:spcBef>
+                <a:spcPts val="0"/>
+              </a:spcBef>
+              <a:spcAft>
+                <a:spcPts val="0"/>
+              </a:spcAft>
+              <a:buClr>
+                <a:schemeClr val="dk1"/>
+              </a:buClr>
+              <a:buSzPts val="3600"/>
+              <a:buFont typeface="Fira Sans Extra Condensed"/>
+              <a:buNone/>
+              <a:defRPr sz="3600" b="1" i="0" u="none" strike="noStrike" cap="none">
+                <a:solidFill>
+                  <a:schemeClr val="dk1"/>
+                </a:solidFill>
+                <a:latin typeface="Fira Sans Extra Condensed"/>
+                <a:ea typeface="Fira Sans Extra Condensed"/>
+                <a:cs typeface="Fira Sans Extra Condensed"/>
+                <a:sym typeface="Fira Sans Extra Condensed"/>
+              </a:defRPr>
+            </a:lvl4pPr>
+            <a:lvl5pPr marR="0" lvl="4" algn="ctr" rtl="0">
+              <a:lnSpc>
+                <a:spcPct val="100000"/>
+              </a:lnSpc>
+              <a:spcBef>
+                <a:spcPts val="0"/>
+              </a:spcBef>
+              <a:spcAft>
+                <a:spcPts val="0"/>
+              </a:spcAft>
+              <a:buClr>
+                <a:schemeClr val="dk1"/>
+              </a:buClr>
+              <a:buSzPts val="3600"/>
+              <a:buFont typeface="Fira Sans Extra Condensed"/>
+              <a:buNone/>
+              <a:defRPr sz="3600" b="1" i="0" u="none" strike="noStrike" cap="none">
+                <a:solidFill>
+                  <a:schemeClr val="dk1"/>
+                </a:solidFill>
+                <a:latin typeface="Fira Sans Extra Condensed"/>
+                <a:ea typeface="Fira Sans Extra Condensed"/>
+                <a:cs typeface="Fira Sans Extra Condensed"/>
+                <a:sym typeface="Fira Sans Extra Condensed"/>
+              </a:defRPr>
+            </a:lvl5pPr>
+            <a:lvl6pPr marR="0" lvl="5" algn="ctr" rtl="0">
+              <a:lnSpc>
+                <a:spcPct val="100000"/>
+              </a:lnSpc>
+              <a:spcBef>
+                <a:spcPts val="0"/>
+              </a:spcBef>
+              <a:spcAft>
+                <a:spcPts val="0"/>
+              </a:spcAft>
+              <a:buClr>
+                <a:schemeClr val="dk1"/>
+              </a:buClr>
+              <a:buSzPts val="3600"/>
+              <a:buFont typeface="Fira Sans Extra Condensed"/>
+              <a:buNone/>
+              <a:defRPr sz="3600" b="1" i="0" u="none" strike="noStrike" cap="none">
+                <a:solidFill>
+                  <a:schemeClr val="dk1"/>
+                </a:solidFill>
+                <a:latin typeface="Fira Sans Extra Condensed"/>
+                <a:ea typeface="Fira Sans Extra Condensed"/>
+                <a:cs typeface="Fira Sans Extra Condensed"/>
+                <a:sym typeface="Fira Sans Extra Condensed"/>
+              </a:defRPr>
+            </a:lvl6pPr>
+            <a:lvl7pPr marR="0" lvl="6" algn="ctr" rtl="0">
+              <a:lnSpc>
+                <a:spcPct val="100000"/>
+              </a:lnSpc>
+              <a:spcBef>
+                <a:spcPts val="0"/>
+              </a:spcBef>
+              <a:spcAft>
+                <a:spcPts val="0"/>
+              </a:spcAft>
+              <a:buClr>
+                <a:schemeClr val="dk1"/>
+              </a:buClr>
+              <a:buSzPts val="3600"/>
+              <a:buFont typeface="Fira Sans Extra Condensed"/>
+              <a:buNone/>
+              <a:defRPr sz="3600" b="1" i="0" u="none" strike="noStrike" cap="none">
+                <a:solidFill>
+                  <a:schemeClr val="dk1"/>
+                </a:solidFill>
+                <a:latin typeface="Fira Sans Extra Condensed"/>
+                <a:ea typeface="Fira Sans Extra Condensed"/>
+                <a:cs typeface="Fira Sans Extra Condensed"/>
+                <a:sym typeface="Fira Sans Extra Condensed"/>
+              </a:defRPr>
+            </a:lvl7pPr>
+            <a:lvl8pPr marR="0" lvl="7" algn="ctr" rtl="0">
+              <a:lnSpc>
+                <a:spcPct val="100000"/>
+              </a:lnSpc>
+              <a:spcBef>
+                <a:spcPts val="0"/>
+              </a:spcBef>
+              <a:spcAft>
+                <a:spcPts val="0"/>
+              </a:spcAft>
+              <a:buClr>
+                <a:schemeClr val="dk1"/>
+              </a:buClr>
+              <a:buSzPts val="3600"/>
+              <a:buFont typeface="Fira Sans Extra Condensed"/>
+              <a:buNone/>
+              <a:defRPr sz="3600" b="1" i="0" u="none" strike="noStrike" cap="none">
+                <a:solidFill>
+                  <a:schemeClr val="dk1"/>
+                </a:solidFill>
+                <a:latin typeface="Fira Sans Extra Condensed"/>
+                <a:ea typeface="Fira Sans Extra Condensed"/>
+                <a:cs typeface="Fira Sans Extra Condensed"/>
+                <a:sym typeface="Fira Sans Extra Condensed"/>
+              </a:defRPr>
+            </a:lvl8pPr>
+            <a:lvl9pPr marR="0" lvl="8" algn="ctr" rtl="0">
+              <a:lnSpc>
+                <a:spcPct val="100000"/>
+              </a:lnSpc>
+              <a:spcBef>
+                <a:spcPts val="0"/>
+              </a:spcBef>
+              <a:spcAft>
+                <a:spcPts val="0"/>
+              </a:spcAft>
+              <a:buClr>
+                <a:schemeClr val="dk1"/>
+              </a:buClr>
+              <a:buSzPts val="3600"/>
+              <a:buFont typeface="Fira Sans Extra Condensed"/>
+              <a:buNone/>
+              <a:defRPr sz="3600" b="1" i="0" u="none" strike="noStrike" cap="none">
+                <a:solidFill>
+                  <a:schemeClr val="dk1"/>
+                </a:solidFill>
+                <a:latin typeface="Fira Sans Extra Condensed"/>
+                <a:ea typeface="Fira Sans Extra Condensed"/>
+                <a:cs typeface="Fira Sans Extra Condensed"/>
+                <a:sym typeface="Fira Sans Extra Condensed"/>
+              </a:defRPr>
+            </a:lvl9pPr>
+          </a:lstStyle>
+          <a:p>
+            <a:r>
+              <a:rPr lang="de-DE" sz="2000" dirty="0" err="1"/>
+              <a:t>Flag</a:t>
+            </a:r>
+            <a:r>
+              <a:rPr lang="de-DE" sz="2000" dirty="0"/>
+              <a:t> Dataset</a:t>
+            </a:r>
+          </a:p>
+        </p:txBody>
+      </p:sp>
+      <p:sp>
+        <p:nvSpPr>
+          <p:cNvPr id="7" name="Textfeld 6">
+            <a:extLst>
+              <a:ext uri="{FF2B5EF4-FFF2-40B4-BE49-F238E27FC236}">
+                <a16:creationId xmlns:a16="http://schemas.microsoft.com/office/drawing/2014/main" id="{FE7FF888-94CD-DE91-F55A-72DE7047DADE}"/>
+              </a:ext>
+            </a:extLst>
+          </p:cNvPr>
+          <p:cNvSpPr txBox="1"/>
+          <p:nvPr/>
+        </p:nvSpPr>
+        <p:spPr>
+          <a:xfrm>
+            <a:off x="2101850" y="2673814"/>
+            <a:ext cx="5831197" cy="1169551"/>
           </a:xfrm>
           <a:prstGeom prst="rect">
             <a:avLst/>
@@ -31008,9 +30246,46 @@
               <a:buChar char="§"/>
             </a:pPr>
             <a:r>
-              <a:rPr lang="de-DE" sz="1600" dirty="0"/>
-              <a:t>Bemerkung 1</a:t>
+              <a:rPr lang="de-DE" dirty="0" err="1"/>
+              <a:t>S</a:t>
             </a:r>
+            <a:r>
+              <a:rPr lang="de-DE" sz="1400" dirty="0" err="1"/>
+              <a:t>elf</a:t>
+            </a:r>
+            <a:r>
+              <a:rPr lang="de-DE" sz="1400" dirty="0"/>
+              <a:t> </a:t>
+            </a:r>
+            <a:r>
+              <a:rPr lang="de-DE" sz="1400" dirty="0" err="1"/>
+              <a:t>coded</a:t>
+            </a:r>
+            <a:r>
+              <a:rPr lang="de-DE" sz="1400" dirty="0"/>
+              <a:t> NN </a:t>
+            </a:r>
+            <a:r>
+              <a:rPr lang="de-DE" sz="1400" dirty="0" err="1"/>
+              <a:t>outperformed</a:t>
+            </a:r>
+            <a:r>
+              <a:rPr lang="de-DE" sz="1400" dirty="0"/>
+              <a:t> </a:t>
+            </a:r>
+            <a:r>
+              <a:rPr lang="de-DE" sz="1400" dirty="0" err="1"/>
+              <a:t>sklearn</a:t>
+            </a:r>
+            <a:r>
+              <a:rPr lang="de-DE" sz="1400" dirty="0"/>
+              <a:t> </a:t>
+            </a:r>
+            <a:r>
+              <a:rPr lang="de-DE" sz="1400" dirty="0" err="1"/>
+              <a:t>MultipleClassifier</a:t>
+            </a:r>
+            <a:endParaRPr lang="de-DE" sz="1400" dirty="0"/>
           </a:p>
           <a:p>
             <a:pPr marL="285750" indent="-285750">
@@ -31018,9 +30293,22 @@
               <a:buChar char="§"/>
             </a:pPr>
             <a:r>
-              <a:rPr lang="de-DE" sz="1600" dirty="0"/>
-              <a:t>Bemerkung 2</a:t>
+              <a:rPr lang="de-DE" sz="1400" dirty="0"/>
+              <a:t>Random Forest </a:t>
             </a:r>
+            <a:r>
+              <a:rPr lang="de-DE" sz="1400" dirty="0" err="1"/>
+              <a:t>performed</a:t>
+            </a:r>
+            <a:r>
+              <a:rPr lang="de-DE" sz="1400" dirty="0"/>
+              <a:t> </a:t>
+            </a:r>
+            <a:r>
+              <a:rPr lang="de-DE" sz="1400" dirty="0" err="1"/>
+              <a:t>best</a:t>
+            </a:r>
+            <a:endParaRPr lang="de-DE" sz="1400" dirty="0"/>
           </a:p>
           <a:p>
             <a:pPr marL="285750" indent="-285750">
@@ -31028,19 +30316,73 @@
               <a:buChar char="§"/>
             </a:pPr>
             <a:r>
-              <a:rPr lang="de-DE" sz="1600" dirty="0"/>
-              <a:t>Bemerkung 3</a:t>
+              <a:rPr lang="de-DE" dirty="0" err="1"/>
+              <a:t>R</a:t>
             </a:r>
+            <a:r>
+              <a:rPr lang="de-DE" sz="1400" dirty="0" err="1"/>
+              <a:t>untime</a:t>
+            </a:r>
+            <a:r>
+              <a:rPr lang="de-DE" sz="1400" dirty="0"/>
+              <a:t> of </a:t>
+            </a:r>
+            <a:r>
+              <a:rPr lang="de-DE" sz="1400" dirty="0" err="1"/>
+              <a:t>self</a:t>
+            </a:r>
+            <a:r>
+              <a:rPr lang="de-DE" sz="1400" dirty="0"/>
+              <a:t> </a:t>
+            </a:r>
+            <a:r>
+              <a:rPr lang="de-DE" sz="1400" dirty="0" err="1"/>
+              <a:t>coded</a:t>
+            </a:r>
+            <a:r>
+              <a:rPr lang="de-DE" sz="1400" dirty="0"/>
+              <a:t> NN was </a:t>
+            </a:r>
+            <a:r>
+              <a:rPr lang="de-DE" sz="1400" dirty="0" err="1"/>
+              <a:t>significantly</a:t>
+            </a:r>
+            <a:r>
+              <a:rPr lang="de-DE" sz="1400" dirty="0"/>
+              <a:t> </a:t>
+            </a:r>
+            <a:r>
+              <a:rPr lang="de-DE" sz="1400" dirty="0" err="1"/>
+              <a:t>worse</a:t>
+            </a:r>
+            <a:r>
+              <a:rPr lang="de-DE" sz="1400" dirty="0"/>
+              <a:t> </a:t>
+            </a:r>
+            <a:r>
+              <a:rPr lang="de-DE" sz="1400" dirty="0" err="1"/>
+              <a:t>compared</a:t>
+            </a:r>
+            <a:r>
+              <a:rPr lang="de-DE" sz="1400" dirty="0"/>
+              <a:t> to </a:t>
+            </a:r>
+            <a:r>
+              <a:rPr lang="de-DE" sz="1400" dirty="0" err="1"/>
+              <a:t>sklearn</a:t>
+            </a:r>
+            <a:r>
+              <a:rPr lang="de-DE" sz="1400" dirty="0"/>
+              <a:t> and </a:t>
+            </a:r>
+            <a:r>
+              <a:rPr lang="de-DE" sz="1400" dirty="0" err="1"/>
+              <a:t>RandomForest</a:t>
+            </a:r>
+            <a:endParaRPr lang="de-DE" sz="1400" dirty="0"/>
           </a:p>
           <a:p>
-            <a:pPr marL="285750" indent="-285750">
-              <a:buFont typeface="Wingdings" panose="05000000000000000000" pitchFamily="2" charset="2"/>
-              <a:buChar char="§"/>
-            </a:pPr>
-            <a:r>
-              <a:rPr lang="de-DE" sz="1600" dirty="0"/>
-              <a:t>Bemerkung 4</a:t>
-            </a:r>
+            <a:endParaRPr lang="de-DE" dirty="0"/>
           </a:p>
         </p:txBody>
       </p:sp>
@@ -31057,7 +30399,7 @@
 </p:sld>
 </file>
 
-<file path=ppt/slides/slide12.xml><?xml version="1.0" encoding="utf-8"?>
+<file path=ppt/slides/slide11.xml><?xml version="1.0" encoding="utf-8"?>
 <p:sld xmlns:a="http://schemas.openxmlformats.org/drawingml/2006/main" xmlns:r="http://schemas.openxmlformats.org/officeDocument/2006/relationships" xmlns:p="http://schemas.openxmlformats.org/presentationml/2006/main">
   <p:cSld>
     <p:spTree>
@@ -32991,7 +32333,7 @@
 </p:sld>
 </file>
 
-<file path=ppt/slides/slide13.xml><?xml version="1.0" encoding="utf-8"?>
+<file path=ppt/slides/slide12.xml><?xml version="1.0" encoding="utf-8"?>
 <p:sld xmlns:a="http://schemas.openxmlformats.org/drawingml/2006/main" xmlns:r="http://schemas.openxmlformats.org/officeDocument/2006/relationships" xmlns:p="http://schemas.openxmlformats.org/presentationml/2006/main">
   <p:cSld>
     <p:spTree>
@@ -34913,7 +34255,7 @@
 </p:sld>
 </file>
 
-<file path=ppt/slides/slide14.xml><?xml version="1.0" encoding="utf-8"?>
+<file path=ppt/slides/slide13.xml><?xml version="1.0" encoding="utf-8"?>
 <p:sld xmlns:a="http://schemas.openxmlformats.org/drawingml/2006/main" xmlns:r="http://schemas.openxmlformats.org/officeDocument/2006/relationships" xmlns:p="http://schemas.openxmlformats.org/presentationml/2006/main">
   <p:cSld>
     <p:spTree>
@@ -36839,7 +36181,7 @@
 </p:sld>
 </file>
 
-<file path=ppt/slides/slide15.xml><?xml version="1.0" encoding="utf-8"?>
+<file path=ppt/slides/slide14.xml><?xml version="1.0" encoding="utf-8"?>
 <p:sld xmlns:a="http://schemas.openxmlformats.org/drawingml/2006/main" xmlns:r="http://schemas.openxmlformats.org/officeDocument/2006/relationships" xmlns:p="http://schemas.openxmlformats.org/presentationml/2006/main">
   <p:cSld>
     <p:spTree>
@@ -38619,7 +37961,7 @@
 </p:sld>
 </file>
 
-<file path=ppt/slides/slide2.xml><?xml version="1.0" encoding="utf-8"?>
+<file path=ppt/slides/slide15.xml><?xml version="1.0" encoding="utf-8"?>
 <p:sld xmlns:a="http://schemas.openxmlformats.org/drawingml/2006/main" xmlns:r="http://schemas.openxmlformats.org/officeDocument/2006/relationships" xmlns:p="http://schemas.openxmlformats.org/presentationml/2006/main">
   <p:cSld>
     <p:spTree>
@@ -41215,7 +40557,7 @@
 </p:sld>
 </file>
 
-<file path=ppt/slides/slide3.xml><?xml version="1.0" encoding="utf-8"?>
+<file path=ppt/slides/slide2.xml><?xml version="1.0" encoding="utf-8"?>
 <p:sld xmlns:a="http://schemas.openxmlformats.org/drawingml/2006/main" xmlns:r="http://schemas.openxmlformats.org/officeDocument/2006/relationships" xmlns:p="http://schemas.openxmlformats.org/presentationml/2006/main">
   <p:cSld>
     <p:spTree>
@@ -43554,7 +42896,7 @@
 </p:sld>
 </file>
 
-<file path=ppt/slides/slide4.xml><?xml version="1.0" encoding="utf-8"?>
+<file path=ppt/slides/slide3.xml><?xml version="1.0" encoding="utf-8"?>
 <p:sld xmlns:a="http://schemas.openxmlformats.org/drawingml/2006/main" xmlns:r="http://schemas.openxmlformats.org/officeDocument/2006/relationships" xmlns:p="http://schemas.openxmlformats.org/presentationml/2006/main">
   <p:cSld>
     <p:spTree>
@@ -45542,7 +44884,7 @@
 </p:sld>
 </file>
 
-<file path=ppt/slides/slide5.xml><?xml version="1.0" encoding="utf-8"?>
+<file path=ppt/slides/slide4.xml><?xml version="1.0" encoding="utf-8"?>
 <p:sld xmlns:a="http://schemas.openxmlformats.org/drawingml/2006/main" xmlns:r="http://schemas.openxmlformats.org/officeDocument/2006/relationships" xmlns:p="http://schemas.openxmlformats.org/presentationml/2006/main">
   <p:cSld>
     <p:spTree>
@@ -47699,7 +47041,7 @@
 </p:sld>
 </file>
 
-<file path=ppt/slides/slide6.xml><?xml version="1.0" encoding="utf-8"?>
+<file path=ppt/slides/slide5.xml><?xml version="1.0" encoding="utf-8"?>
 <p:sld xmlns:a="http://schemas.openxmlformats.org/drawingml/2006/main" xmlns:r="http://schemas.openxmlformats.org/officeDocument/2006/relationships" xmlns:p="http://schemas.openxmlformats.org/presentationml/2006/main">
   <p:cSld>
     <p:spTree>
@@ -49187,7 +48529,7 @@
 </p:sld>
 </file>
 
-<file path=ppt/slides/slide7.xml><?xml version="1.0" encoding="utf-8"?>
+<file path=ppt/slides/slide6.xml><?xml version="1.0" encoding="utf-8"?>
 <p:sld xmlns:a="http://schemas.openxmlformats.org/drawingml/2006/main" xmlns:r="http://schemas.openxmlformats.org/officeDocument/2006/relationships" xmlns:p="http://schemas.openxmlformats.org/presentationml/2006/main">
   <p:cSld>
     <p:spTree>
@@ -49970,8 +49312,8 @@
           </a:ln>
         </p:spPr>
       </p:cxnSp>
-      <mc:AlternateContent xmlns:mc="http://schemas.openxmlformats.org/markup-compatibility/2006" xmlns:a14="http://schemas.microsoft.com/office/drawing/2010/main">
-        <mc:Choice Requires="a14">
+      <mc:AlternateContent xmlns:mc="http://schemas.openxmlformats.org/markup-compatibility/2006">
+        <mc:Choice xmlns:a14="http://schemas.microsoft.com/office/drawing/2010/main" Requires="a14">
           <p:sp>
             <p:nvSpPr>
               <p:cNvPr id="3" name="Textfeld 2">
@@ -50078,7 +49420,7 @@
                               <a:rPr lang="de-DE" sz="2800" b="0" i="1" smtClean="0">
                                 <a:latin typeface="Cambria Math" panose="02040503050406030204" pitchFamily="18" charset="0"/>
                               </a:rPr>
-                              <m:t>𝑇𝑒𝑛𝑠𝑜𝑟𝑓𝑙𝑜𝑤</m:t>
+                              <m:t>𝑆𝑘𝑙𝑒𝑎𝑟𝑛</m:t>
                             </m:r>
                           </m:e>
                           <m:e>
@@ -50103,7 +49445,7 @@
             </p:txBody>
           </p:sp>
         </mc:Choice>
-        <mc:Fallback xmlns="">
+        <mc:Fallback>
           <p:sp>
             <p:nvSpPr>
               <p:cNvPr id="3" name="Textfeld 2">
@@ -50161,7 +49503,7 @@
 </p:sld>
 </file>
 
-<file path=ppt/slides/slide8.xml><?xml version="1.0" encoding="utf-8"?>
+<file path=ppt/slides/slide7.xml><?xml version="1.0" encoding="utf-8"?>
 <p:sld xmlns:a="http://schemas.openxmlformats.org/drawingml/2006/main" xmlns:r="http://schemas.openxmlformats.org/officeDocument/2006/relationships" xmlns:p="http://schemas.openxmlformats.org/presentationml/2006/main">
   <p:cSld>
     <p:spTree>
@@ -51580,7 +50922,7 @@
 </p:sld>
 </file>
 
-<file path=ppt/slides/slide9.xml><?xml version="1.0" encoding="utf-8"?>
+<file path=ppt/slides/slide8.xml><?xml version="1.0" encoding="utf-8"?>
 <p:sld xmlns:a="http://schemas.openxmlformats.org/drawingml/2006/main" xmlns:r="http://schemas.openxmlformats.org/officeDocument/2006/relationships" xmlns:p="http://schemas.openxmlformats.org/presentationml/2006/main">
   <p:cSld>
     <p:spTree>
@@ -52956,6 +52298,1466 @@
     <p:extLst>
       <p:ext uri="{BB962C8B-B14F-4D97-AF65-F5344CB8AC3E}">
         <p14:creationId xmlns:p14="http://schemas.microsoft.com/office/powerpoint/2010/main" val="2392598277"/>
+      </p:ext>
+    </p:extLst>
+  </p:cSld>
+  <p:clrMapOvr>
+    <a:masterClrMapping/>
+  </p:clrMapOvr>
+</p:sld>
+</file>
+
+<file path=ppt/slides/slide9.xml><?xml version="1.0" encoding="utf-8"?>
+<p:sld xmlns:a="http://schemas.openxmlformats.org/drawingml/2006/main" xmlns:r="http://schemas.openxmlformats.org/officeDocument/2006/relationships" xmlns:p="http://schemas.openxmlformats.org/presentationml/2006/main">
+  <p:cSld>
+    <p:spTree>
+      <p:nvGrpSpPr>
+        <p:cNvPr id="1" name=""/>
+        <p:cNvGrpSpPr/>
+        <p:nvPr/>
+      </p:nvGrpSpPr>
+      <p:grpSpPr>
+        <a:xfrm>
+          <a:off x="0" y="0"/>
+          <a:ext cx="0" cy="0"/>
+          <a:chOff x="0" y="0"/>
+          <a:chExt cx="0" cy="0"/>
+        </a:xfrm>
+      </p:grpSpPr>
+      <p:sp>
+        <p:nvSpPr>
+          <p:cNvPr id="2" name="Titel 1">
+            <a:extLst>
+              <a:ext uri="{FF2B5EF4-FFF2-40B4-BE49-F238E27FC236}">
+                <a16:creationId xmlns:a16="http://schemas.microsoft.com/office/drawing/2014/main" id="{1C9D2155-C23D-37CD-2246-CAA4AB3981A1}"/>
+              </a:ext>
+            </a:extLst>
+          </p:cNvPr>
+          <p:cNvSpPr>
+            <a:spLocks noGrp="1"/>
+          </p:cNvSpPr>
+          <p:nvPr>
+            <p:ph type="title"/>
+          </p:nvPr>
+        </p:nvSpPr>
+        <p:spPr>
+          <a:xfrm>
+            <a:off x="2429983" y="100271"/>
+            <a:ext cx="3072850" cy="644484"/>
+          </a:xfrm>
+        </p:spPr>
+        <p:txBody>
+          <a:bodyPr>
+            <a:normAutofit fontScale="90000"/>
+          </a:bodyPr>
+          <a:lstStyle/>
+          <a:p>
+            <a:r>
+              <a:rPr lang="de-DE" dirty="0" err="1"/>
+              <a:t>Flag</a:t>
+            </a:r>
+            <a:r>
+              <a:rPr lang="de-DE" dirty="0"/>
+              <a:t> </a:t>
+            </a:r>
+            <a:r>
+              <a:rPr lang="de-DE" dirty="0" err="1"/>
+              <a:t>dataset</a:t>
+            </a:r>
+            <a:endParaRPr lang="de-DE" dirty="0"/>
+          </a:p>
+        </p:txBody>
+      </p:sp>
+      <p:graphicFrame>
+        <p:nvGraphicFramePr>
+          <p:cNvPr id="4" name="Tabelle 3">
+            <a:extLst>
+              <a:ext uri="{FF2B5EF4-FFF2-40B4-BE49-F238E27FC236}">
+                <a16:creationId xmlns:a16="http://schemas.microsoft.com/office/drawing/2014/main" id="{B5448B16-5CD2-262A-B611-E4C633226D02}"/>
+              </a:ext>
+            </a:extLst>
+          </p:cNvPr>
+          <p:cNvGraphicFramePr>
+            <a:graphicFrameLocks noGrp="1"/>
+          </p:cNvGraphicFramePr>
+          <p:nvPr>
+            <p:extLst>
+              <p:ext uri="{D42A27DB-BD31-4B8C-83A1-F6EECF244321}">
+                <p14:modId xmlns:p14="http://schemas.microsoft.com/office/powerpoint/2010/main" val="2130232890"/>
+              </p:ext>
+            </p:extLst>
+          </p:nvPr>
+        </p:nvGraphicFramePr>
+        <p:xfrm>
+          <a:off x="129118" y="866554"/>
+          <a:ext cx="8885763" cy="2741160"/>
+        </p:xfrm>
+        <a:graphic>
+          <a:graphicData uri="http://schemas.openxmlformats.org/drawingml/2006/table">
+            <a:tbl>
+              <a:tblPr firstRow="1" bandRow="1">
+                <a:effectLst/>
+                <a:tableStyleId>{23F0BC30-06F4-4471-925F-88749DCA4F18}</a:tableStyleId>
+              </a:tblPr>
+              <a:tblGrid>
+                <a:gridCol w="2961921">
+                  <a:extLst>
+                    <a:ext uri="{9D8B030D-6E8A-4147-A177-3AD203B41FA5}">
+                      <a16:colId xmlns:a16="http://schemas.microsoft.com/office/drawing/2014/main" val="3501323086"/>
+                    </a:ext>
+                  </a:extLst>
+                </a:gridCol>
+                <a:gridCol w="2033854">
+                  <a:extLst>
+                    <a:ext uri="{9D8B030D-6E8A-4147-A177-3AD203B41FA5}">
+                      <a16:colId xmlns:a16="http://schemas.microsoft.com/office/drawing/2014/main" val="139150315"/>
+                    </a:ext>
+                  </a:extLst>
+                </a:gridCol>
+                <a:gridCol w="3889988">
+                  <a:extLst>
+                    <a:ext uri="{9D8B030D-6E8A-4147-A177-3AD203B41FA5}">
+                      <a16:colId xmlns:a16="http://schemas.microsoft.com/office/drawing/2014/main" val="2248449055"/>
+                    </a:ext>
+                  </a:extLst>
+                </a:gridCol>
+              </a:tblGrid>
+              <a:tr h="752202">
+                <a:tc>
+                  <a:txBody>
+                    <a:bodyPr/>
+                    <a:lstStyle/>
+                    <a:p>
+                      <a:pPr algn="ctr"/>
+                      <a:r>
+                        <a:rPr lang="de-DE" sz="1400" dirty="0">
+                          <a:latin typeface="Monospace"/>
+                        </a:rPr>
+                        <a:t>Model</a:t>
+                      </a:r>
+                    </a:p>
+                    <a:p>
+                      <a:pPr algn="ctr"/>
+                      <a:r>
+                        <a:rPr lang="de-DE" sz="1400" dirty="0">
+                          <a:latin typeface="Monospace"/>
+                        </a:rPr>
+                        <a:t>(</a:t>
+                      </a:r>
+                      <a:r>
+                        <a:rPr lang="de-DE" sz="1400" dirty="0" err="1">
+                          <a:latin typeface="Monospace"/>
+                        </a:rPr>
+                        <a:t>Grid</a:t>
+                      </a:r>
+                      <a:r>
+                        <a:rPr lang="de-DE" sz="1400" dirty="0">
+                          <a:latin typeface="Monospace"/>
+                        </a:rPr>
+                        <a:t> </a:t>
+                      </a:r>
+                      <a:r>
+                        <a:rPr lang="de-DE" sz="1400" dirty="0" err="1">
+                          <a:latin typeface="Monospace"/>
+                        </a:rPr>
+                        <a:t>search</a:t>
+                      </a:r>
+                      <a:r>
+                        <a:rPr lang="de-DE" sz="1400" dirty="0">
+                          <a:latin typeface="Monospace"/>
+                        </a:rPr>
+                        <a:t> </a:t>
+                      </a:r>
+                      <a:r>
+                        <a:rPr lang="de-DE" sz="1400" dirty="0" err="1">
+                          <a:latin typeface="Monospace"/>
+                        </a:rPr>
+                        <a:t>for</a:t>
+                      </a:r>
+                      <a:r>
+                        <a:rPr lang="de-DE" sz="1400" dirty="0">
+                          <a:latin typeface="Monospace"/>
+                        </a:rPr>
+                        <a:t> </a:t>
+                      </a:r>
+                      <a:r>
+                        <a:rPr lang="de-DE" sz="1400" dirty="0" err="1">
+                          <a:latin typeface="Monospace"/>
+                        </a:rPr>
+                        <a:t>self</a:t>
+                      </a:r>
+                      <a:r>
+                        <a:rPr lang="de-DE" sz="1400" dirty="0">
+                          <a:latin typeface="Monospace"/>
+                        </a:rPr>
+                        <a:t>-code </a:t>
+                      </a:r>
+                      <a:r>
+                        <a:rPr lang="de-DE" sz="1400" dirty="0" err="1">
+                          <a:latin typeface="Monospace"/>
+                        </a:rPr>
+                        <a:t>hyperparams</a:t>
+                      </a:r>
+                      <a:r>
+                        <a:rPr lang="de-DE" sz="1400" dirty="0">
+                          <a:latin typeface="Monospace"/>
+                        </a:rPr>
+                        <a:t>. )</a:t>
+                      </a:r>
+                    </a:p>
+                  </a:txBody>
+                  <a:tcPr marL="94025" marR="94025" marT="47013" marB="47013">
+                    <a:lnL w="12700" cap="flat" cmpd="sng" algn="ctr">
+                      <a:solidFill>
+                        <a:schemeClr val="tx1"/>
+                      </a:solidFill>
+                      <a:prstDash val="solid"/>
+                      <a:round/>
+                      <a:headEnd type="none" w="med" len="med"/>
+                      <a:tailEnd type="none" w="med" len="med"/>
+                    </a:lnL>
+                    <a:lnR w="12700" cap="flat" cmpd="sng" algn="ctr">
+                      <a:solidFill>
+                        <a:schemeClr val="tx1"/>
+                      </a:solidFill>
+                      <a:prstDash val="solid"/>
+                      <a:round/>
+                      <a:headEnd type="none" w="med" len="med"/>
+                      <a:tailEnd type="none" w="med" len="med"/>
+                    </a:lnR>
+                    <a:lnT w="12700" cap="flat" cmpd="sng" algn="ctr">
+                      <a:solidFill>
+                        <a:schemeClr val="tx1"/>
+                      </a:solidFill>
+                      <a:prstDash val="solid"/>
+                      <a:round/>
+                      <a:headEnd type="none" w="med" len="med"/>
+                      <a:tailEnd type="none" w="med" len="med"/>
+                    </a:lnT>
+                    <a:lnB w="12700" cap="flat" cmpd="sng" algn="ctr">
+                      <a:solidFill>
+                        <a:schemeClr val="tx1"/>
+                      </a:solidFill>
+                      <a:prstDash val="solid"/>
+                      <a:round/>
+                      <a:headEnd type="none" w="med" len="med"/>
+                      <a:tailEnd type="none" w="med" len="med"/>
+                    </a:lnB>
+                    <a:lnTlToBr w="12700" cmpd="sng">
+                      <a:noFill/>
+                      <a:prstDash val="solid"/>
+                    </a:lnTlToBr>
+                    <a:lnBlToTr w="12700" cmpd="sng">
+                      <a:noFill/>
+                      <a:prstDash val="solid"/>
+                    </a:lnBlToTr>
+                    <a:pattFill prst="pct5">
+                      <a:fgClr>
+                        <a:schemeClr val="lt1"/>
+                      </a:fgClr>
+                      <a:bgClr>
+                        <a:schemeClr val="bg1"/>
+                      </a:bgClr>
+                    </a:pattFill>
+                  </a:tcPr>
+                </a:tc>
+                <a:tc>
+                  <a:txBody>
+                    <a:bodyPr/>
+                    <a:lstStyle/>
+                    <a:p>
+                      <a:pPr algn="ctr"/>
+                      <a:r>
+                        <a:rPr lang="de-DE" sz="1400" dirty="0">
+                          <a:latin typeface="Monospace"/>
+                        </a:rPr>
+                        <a:t>F1-score</a:t>
+                      </a:r>
+                    </a:p>
+                    <a:p>
+                      <a:pPr algn="ctr"/>
+                      <a:r>
+                        <a:rPr lang="de-DE" sz="1400" dirty="0" err="1">
+                          <a:latin typeface="Monospace"/>
+                        </a:rPr>
+                        <a:t>Holdout</a:t>
+                      </a:r>
+                      <a:endParaRPr lang="de-DE" sz="1400" dirty="0">
+                        <a:latin typeface="Monospace"/>
+                      </a:endParaRPr>
+                    </a:p>
+                  </a:txBody>
+                  <a:tcPr marL="94025" marR="94025" marT="47013" marB="47013">
+                    <a:lnL w="12700" cap="flat" cmpd="sng" algn="ctr">
+                      <a:solidFill>
+                        <a:schemeClr val="tx1"/>
+                      </a:solidFill>
+                      <a:prstDash val="solid"/>
+                      <a:round/>
+                      <a:headEnd type="none" w="med" len="med"/>
+                      <a:tailEnd type="none" w="med" len="med"/>
+                    </a:lnL>
+                    <a:lnR w="12700" cap="flat" cmpd="sng" algn="ctr">
+                      <a:solidFill>
+                        <a:schemeClr val="tx1"/>
+                      </a:solidFill>
+                      <a:prstDash val="solid"/>
+                      <a:round/>
+                      <a:headEnd type="none" w="med" len="med"/>
+                      <a:tailEnd type="none" w="med" len="med"/>
+                    </a:lnR>
+                    <a:lnT w="12700" cap="flat" cmpd="sng" algn="ctr">
+                      <a:solidFill>
+                        <a:schemeClr val="tx1"/>
+                      </a:solidFill>
+                      <a:prstDash val="solid"/>
+                      <a:round/>
+                      <a:headEnd type="none" w="med" len="med"/>
+                      <a:tailEnd type="none" w="med" len="med"/>
+                    </a:lnT>
+                    <a:lnB w="12700" cap="flat" cmpd="sng" algn="ctr">
+                      <a:solidFill>
+                        <a:schemeClr val="tx1"/>
+                      </a:solidFill>
+                      <a:prstDash val="solid"/>
+                      <a:round/>
+                      <a:headEnd type="none" w="med" len="med"/>
+                      <a:tailEnd type="none" w="med" len="med"/>
+                    </a:lnB>
+                    <a:lnTlToBr w="12700" cmpd="sng">
+                      <a:noFill/>
+                      <a:prstDash val="solid"/>
+                    </a:lnTlToBr>
+                    <a:lnBlToTr w="12700" cmpd="sng">
+                      <a:noFill/>
+                      <a:prstDash val="solid"/>
+                    </a:lnBlToTr>
+                    <a:pattFill prst="pct5">
+                      <a:fgClr>
+                        <a:schemeClr val="lt1"/>
+                      </a:fgClr>
+                      <a:bgClr>
+                        <a:schemeClr val="bg1"/>
+                      </a:bgClr>
+                    </a:pattFill>
+                  </a:tcPr>
+                </a:tc>
+                <a:tc>
+                  <a:txBody>
+                    <a:bodyPr/>
+                    <a:lstStyle/>
+                    <a:p>
+                      <a:r>
+                        <a:rPr lang="de-DE" sz="1400" dirty="0">
+                          <a:latin typeface="Monospace"/>
+                        </a:rPr>
+                        <a:t>Hyperparameters</a:t>
+                      </a:r>
+                    </a:p>
+                  </a:txBody>
+                  <a:tcPr marL="94025" marR="94025" marT="47013" marB="47013">
+                    <a:lnL w="12700" cap="flat" cmpd="sng" algn="ctr">
+                      <a:solidFill>
+                        <a:schemeClr val="tx1"/>
+                      </a:solidFill>
+                      <a:prstDash val="solid"/>
+                      <a:round/>
+                      <a:headEnd type="none" w="med" len="med"/>
+                      <a:tailEnd type="none" w="med" len="med"/>
+                    </a:lnL>
+                    <a:lnR w="12700" cap="flat" cmpd="sng" algn="ctr">
+                      <a:solidFill>
+                        <a:schemeClr val="tx1"/>
+                      </a:solidFill>
+                      <a:prstDash val="solid"/>
+                      <a:round/>
+                      <a:headEnd type="none" w="med" len="med"/>
+                      <a:tailEnd type="none" w="med" len="med"/>
+                    </a:lnR>
+                    <a:lnT w="12700" cap="flat" cmpd="sng" algn="ctr">
+                      <a:solidFill>
+                        <a:schemeClr val="tx1"/>
+                      </a:solidFill>
+                      <a:prstDash val="solid"/>
+                      <a:round/>
+                      <a:headEnd type="none" w="med" len="med"/>
+                      <a:tailEnd type="none" w="med" len="med"/>
+                    </a:lnT>
+                    <a:lnB w="12700" cap="flat" cmpd="sng" algn="ctr">
+                      <a:solidFill>
+                        <a:schemeClr val="tx1"/>
+                      </a:solidFill>
+                      <a:prstDash val="solid"/>
+                      <a:round/>
+                      <a:headEnd type="none" w="med" len="med"/>
+                      <a:tailEnd type="none" w="med" len="med"/>
+                    </a:lnB>
+                    <a:lnTlToBr w="12700" cmpd="sng">
+                      <a:noFill/>
+                      <a:prstDash val="solid"/>
+                    </a:lnTlToBr>
+                    <a:lnBlToTr w="12700" cmpd="sng">
+                      <a:noFill/>
+                      <a:prstDash val="solid"/>
+                    </a:lnBlToTr>
+                    <a:pattFill prst="pct5">
+                      <a:fgClr>
+                        <a:schemeClr val="lt1"/>
+                      </a:fgClr>
+                      <a:bgClr>
+                        <a:schemeClr val="bg1"/>
+                      </a:bgClr>
+                    </a:pattFill>
+                  </a:tcPr>
+                </a:tc>
+                <a:extLst>
+                  <a:ext uri="{0D108BD9-81ED-4DB2-BD59-A6C34878D82A}">
+                    <a16:rowId xmlns:a16="http://schemas.microsoft.com/office/drawing/2014/main" val="1610683673"/>
+                  </a:ext>
+                </a:extLst>
+              </a:tr>
+              <a:tr h="532810">
+                <a:tc>
+                  <a:txBody>
+                    <a:bodyPr/>
+                    <a:lstStyle/>
+                    <a:p>
+                      <a:r>
+                        <a:rPr lang="de-DE" sz="1400" dirty="0">
+                          <a:latin typeface="Monospace"/>
+                        </a:rPr>
+                        <a:t>Self-Code</a:t>
+                      </a:r>
+                    </a:p>
+                  </a:txBody>
+                  <a:tcPr marL="94025" marR="94025" marT="47013" marB="47013">
+                    <a:lnL w="12700" cap="flat" cmpd="sng" algn="ctr">
+                      <a:solidFill>
+                        <a:schemeClr val="tx1"/>
+                      </a:solidFill>
+                      <a:prstDash val="solid"/>
+                      <a:round/>
+                      <a:headEnd type="none" w="med" len="med"/>
+                      <a:tailEnd type="none" w="med" len="med"/>
+                    </a:lnL>
+                    <a:lnR w="12700" cap="flat" cmpd="sng" algn="ctr">
+                      <a:solidFill>
+                        <a:schemeClr val="tx1"/>
+                      </a:solidFill>
+                      <a:prstDash val="solid"/>
+                      <a:round/>
+                      <a:headEnd type="none" w="med" len="med"/>
+                      <a:tailEnd type="none" w="med" len="med"/>
+                    </a:lnR>
+                    <a:lnT w="12700" cap="flat" cmpd="sng" algn="ctr">
+                      <a:solidFill>
+                        <a:schemeClr val="tx1"/>
+                      </a:solidFill>
+                      <a:prstDash val="solid"/>
+                      <a:round/>
+                      <a:headEnd type="none" w="med" len="med"/>
+                      <a:tailEnd type="none" w="med" len="med"/>
+                    </a:lnT>
+                    <a:lnB w="12700" cap="flat" cmpd="sng" algn="ctr">
+                      <a:solidFill>
+                        <a:schemeClr val="tx1"/>
+                      </a:solidFill>
+                      <a:prstDash val="solid"/>
+                      <a:round/>
+                      <a:headEnd type="none" w="med" len="med"/>
+                      <a:tailEnd type="none" w="med" len="med"/>
+                    </a:lnB>
+                    <a:lnTlToBr w="12700" cmpd="sng">
+                      <a:noFill/>
+                      <a:prstDash val="solid"/>
+                    </a:lnTlToBr>
+                    <a:lnBlToTr w="12700" cmpd="sng">
+                      <a:noFill/>
+                      <a:prstDash val="solid"/>
+                    </a:lnBlToTr>
+                    <a:pattFill prst="pct5">
+                      <a:fgClr>
+                        <a:schemeClr val="lt1"/>
+                      </a:fgClr>
+                      <a:bgClr>
+                        <a:schemeClr val="bg1"/>
+                      </a:bgClr>
+                    </a:pattFill>
+                  </a:tcPr>
+                </a:tc>
+                <a:tc>
+                  <a:txBody>
+                    <a:bodyPr/>
+                    <a:lstStyle/>
+                    <a:p>
+                      <a:r>
+                        <a:rPr lang="de-DE" sz="1400" dirty="0">
+                          <a:latin typeface="Monospace"/>
+                        </a:rPr>
+                        <a:t>0.56</a:t>
+                      </a:r>
+                    </a:p>
+                  </a:txBody>
+                  <a:tcPr marL="94025" marR="94025" marT="47013" marB="47013">
+                    <a:lnL w="12700" cap="flat" cmpd="sng" algn="ctr">
+                      <a:solidFill>
+                        <a:schemeClr val="tx1"/>
+                      </a:solidFill>
+                      <a:prstDash val="solid"/>
+                      <a:round/>
+                      <a:headEnd type="none" w="med" len="med"/>
+                      <a:tailEnd type="none" w="med" len="med"/>
+                    </a:lnL>
+                    <a:lnR w="12700" cap="flat" cmpd="sng" algn="ctr">
+                      <a:solidFill>
+                        <a:schemeClr val="tx1"/>
+                      </a:solidFill>
+                      <a:prstDash val="solid"/>
+                      <a:round/>
+                      <a:headEnd type="none" w="med" len="med"/>
+                      <a:tailEnd type="none" w="med" len="med"/>
+                    </a:lnR>
+                    <a:lnT w="12700" cap="flat" cmpd="sng" algn="ctr">
+                      <a:solidFill>
+                        <a:schemeClr val="tx1"/>
+                      </a:solidFill>
+                      <a:prstDash val="solid"/>
+                      <a:round/>
+                      <a:headEnd type="none" w="med" len="med"/>
+                      <a:tailEnd type="none" w="med" len="med"/>
+                    </a:lnT>
+                    <a:lnB w="12700" cap="flat" cmpd="sng" algn="ctr">
+                      <a:solidFill>
+                        <a:schemeClr val="tx1"/>
+                      </a:solidFill>
+                      <a:prstDash val="solid"/>
+                      <a:round/>
+                      <a:headEnd type="none" w="med" len="med"/>
+                      <a:tailEnd type="none" w="med" len="med"/>
+                    </a:lnB>
+                    <a:lnTlToBr w="12700" cmpd="sng">
+                      <a:noFill/>
+                      <a:prstDash val="solid"/>
+                    </a:lnTlToBr>
+                    <a:lnBlToTr w="12700" cmpd="sng">
+                      <a:noFill/>
+                      <a:prstDash val="solid"/>
+                    </a:lnBlToTr>
+                    <a:pattFill prst="pct5">
+                      <a:fgClr>
+                        <a:schemeClr val="lt1"/>
+                      </a:fgClr>
+                      <a:bgClr>
+                        <a:schemeClr val="bg1"/>
+                      </a:bgClr>
+                    </a:pattFill>
+                  </a:tcPr>
+                </a:tc>
+                <a:tc>
+                  <a:txBody>
+                    <a:bodyPr/>
+                    <a:lstStyle/>
+                    <a:p>
+                      <a:pPr marL="0" marR="0" lvl="0" indent="0" algn="l" defTabSz="914400" rtl="0" eaLnBrk="1" fontAlgn="auto" latinLnBrk="0" hangingPunct="1">
+                        <a:lnSpc>
+                          <a:spcPct val="100000"/>
+                        </a:lnSpc>
+                        <a:spcBef>
+                          <a:spcPts val="0"/>
+                        </a:spcBef>
+                        <a:spcAft>
+                          <a:spcPts val="0"/>
+                        </a:spcAft>
+                        <a:buClr>
+                          <a:srgbClr val="000000"/>
+                        </a:buClr>
+                        <a:buSzTx/>
+                        <a:buFont typeface="Arial"/>
+                        <a:buNone/>
+                        <a:tabLst/>
+                        <a:defRPr/>
+                      </a:pPr>
+                      <a:r>
+                        <a:rPr lang="en-US" sz="1400" b="0" i="0" u="none" strike="noStrike" cap="none" dirty="0">
+                          <a:solidFill>
+                            <a:srgbClr val="000000"/>
+                          </a:solidFill>
+                          <a:effectLst/>
+                          <a:latin typeface="Arial"/>
+                          <a:ea typeface="Arial"/>
+                          <a:cs typeface="Arial"/>
+                          <a:sym typeface="Arial"/>
+                        </a:rPr>
+                        <a:t>{'</a:t>
+                      </a:r>
+                      <a:r>
+                        <a:rPr lang="en-US" sz="1400" b="0" i="0" u="none" strike="noStrike" cap="none" dirty="0" err="1">
+                          <a:solidFill>
+                            <a:srgbClr val="000000"/>
+                          </a:solidFill>
+                          <a:effectLst/>
+                          <a:latin typeface="Arial"/>
+                          <a:ea typeface="Arial"/>
+                          <a:cs typeface="Arial"/>
+                          <a:sym typeface="Arial"/>
+                        </a:rPr>
+                        <a:t>learning_rate</a:t>
+                      </a:r>
+                      <a:r>
+                        <a:rPr lang="en-US" sz="1400" b="0" i="0" u="none" strike="noStrike" cap="none" dirty="0">
+                          <a:solidFill>
+                            <a:srgbClr val="000000"/>
+                          </a:solidFill>
+                          <a:effectLst/>
+                          <a:latin typeface="Arial"/>
+                          <a:ea typeface="Arial"/>
+                          <a:cs typeface="Arial"/>
+                          <a:sym typeface="Arial"/>
+                        </a:rPr>
+                        <a:t>': ‘0.5’, 'epochs': ‘2000’, '</a:t>
+                      </a:r>
+                      <a:r>
+                        <a:rPr lang="en-US" sz="1400" b="0" i="0" u="none" strike="noStrike" cap="none" dirty="0" err="1">
+                          <a:solidFill>
+                            <a:srgbClr val="000000"/>
+                          </a:solidFill>
+                          <a:effectLst/>
+                          <a:latin typeface="Arial"/>
+                          <a:ea typeface="Arial"/>
+                          <a:cs typeface="Arial"/>
+                          <a:sym typeface="Arial"/>
+                        </a:rPr>
+                        <a:t>node_counts</a:t>
+                      </a:r>
+                      <a:r>
+                        <a:rPr lang="en-US" sz="1400" b="0" i="0" u="none" strike="noStrike" cap="none" dirty="0">
+                          <a:solidFill>
+                            <a:srgbClr val="000000"/>
+                          </a:solidFill>
+                          <a:effectLst/>
+                          <a:latin typeface="Arial"/>
+                          <a:ea typeface="Arial"/>
+                          <a:cs typeface="Arial"/>
+                          <a:sym typeface="Arial"/>
+                        </a:rPr>
+                        <a:t>': ‘[10, 10]’, '</a:t>
+                      </a:r>
+                      <a:r>
+                        <a:rPr lang="en-US" sz="1400" b="0" i="0" u="none" strike="noStrike" cap="none" dirty="0" err="1">
+                          <a:solidFill>
+                            <a:srgbClr val="000000"/>
+                          </a:solidFill>
+                          <a:effectLst/>
+                          <a:latin typeface="Arial"/>
+                          <a:ea typeface="Arial"/>
+                          <a:cs typeface="Arial"/>
+                          <a:sym typeface="Arial"/>
+                        </a:rPr>
+                        <a:t>activation_function</a:t>
+                      </a:r>
+                      <a:r>
+                        <a:rPr lang="en-US" sz="1400" b="0" i="0" u="none" strike="noStrike" cap="none" dirty="0">
+                          <a:solidFill>
+                            <a:srgbClr val="000000"/>
+                          </a:solidFill>
+                          <a:effectLst/>
+                          <a:latin typeface="Arial"/>
+                          <a:ea typeface="Arial"/>
+                          <a:cs typeface="Arial"/>
+                          <a:sym typeface="Arial"/>
+                        </a:rPr>
+                        <a:t>’: ‘sigmoid’}</a:t>
+                      </a:r>
+                      <a:endParaRPr lang="de-DE" sz="1400" dirty="0">
+                        <a:latin typeface="Monospace"/>
+                      </a:endParaRPr>
+                    </a:p>
+                  </a:txBody>
+                  <a:tcPr marL="94025" marR="94025" marT="47013" marB="47013">
+                    <a:lnL w="12700" cap="flat" cmpd="sng" algn="ctr">
+                      <a:solidFill>
+                        <a:schemeClr val="tx1"/>
+                      </a:solidFill>
+                      <a:prstDash val="solid"/>
+                      <a:round/>
+                      <a:headEnd type="none" w="med" len="med"/>
+                      <a:tailEnd type="none" w="med" len="med"/>
+                    </a:lnL>
+                    <a:lnR w="12700" cap="flat" cmpd="sng" algn="ctr">
+                      <a:solidFill>
+                        <a:schemeClr val="tx1"/>
+                      </a:solidFill>
+                      <a:prstDash val="solid"/>
+                      <a:round/>
+                      <a:headEnd type="none" w="med" len="med"/>
+                      <a:tailEnd type="none" w="med" len="med"/>
+                    </a:lnR>
+                    <a:lnT w="12700" cap="flat" cmpd="sng" algn="ctr">
+                      <a:solidFill>
+                        <a:schemeClr val="tx1"/>
+                      </a:solidFill>
+                      <a:prstDash val="solid"/>
+                      <a:round/>
+                      <a:headEnd type="none" w="med" len="med"/>
+                      <a:tailEnd type="none" w="med" len="med"/>
+                    </a:lnT>
+                    <a:lnB w="12700" cap="flat" cmpd="sng" algn="ctr">
+                      <a:solidFill>
+                        <a:schemeClr val="tx1"/>
+                      </a:solidFill>
+                      <a:prstDash val="solid"/>
+                      <a:round/>
+                      <a:headEnd type="none" w="med" len="med"/>
+                      <a:tailEnd type="none" w="med" len="med"/>
+                    </a:lnB>
+                    <a:lnTlToBr w="12700" cmpd="sng">
+                      <a:noFill/>
+                      <a:prstDash val="solid"/>
+                    </a:lnTlToBr>
+                    <a:lnBlToTr w="12700" cmpd="sng">
+                      <a:noFill/>
+                      <a:prstDash val="solid"/>
+                    </a:lnBlToTr>
+                    <a:pattFill prst="pct5">
+                      <a:fgClr>
+                        <a:schemeClr val="lt1"/>
+                      </a:fgClr>
+                      <a:bgClr>
+                        <a:schemeClr val="bg1"/>
+                      </a:bgClr>
+                    </a:pattFill>
+                  </a:tcPr>
+                </a:tc>
+                <a:extLst>
+                  <a:ext uri="{0D108BD9-81ED-4DB2-BD59-A6C34878D82A}">
+                    <a16:rowId xmlns:a16="http://schemas.microsoft.com/office/drawing/2014/main" val="1922863780"/>
+                  </a:ext>
+                </a:extLst>
+              </a:tr>
+              <a:tr h="528575">
+                <a:tc>
+                  <a:txBody>
+                    <a:bodyPr/>
+                    <a:lstStyle/>
+                    <a:p>
+                      <a:pPr marL="0" marR="0" lvl="0" indent="0" algn="l" defTabSz="914400" rtl="0" eaLnBrk="1" fontAlgn="auto" latinLnBrk="0" hangingPunct="1">
+                        <a:lnSpc>
+                          <a:spcPct val="100000"/>
+                        </a:lnSpc>
+                        <a:spcBef>
+                          <a:spcPts val="0"/>
+                        </a:spcBef>
+                        <a:spcAft>
+                          <a:spcPts val="0"/>
+                        </a:spcAft>
+                        <a:buClr>
+                          <a:srgbClr val="000000"/>
+                        </a:buClr>
+                        <a:buSzTx/>
+                        <a:buFont typeface="Arial"/>
+                        <a:buNone/>
+                        <a:tabLst/>
+                        <a:defRPr/>
+                      </a:pPr>
+                      <a:r>
+                        <a:rPr lang="de-DE" sz="1400" dirty="0" err="1">
+                          <a:latin typeface="Monospace"/>
+                        </a:rPr>
+                        <a:t>Sklearn</a:t>
+                      </a:r>
+                      <a:endParaRPr lang="de-DE" sz="1400" dirty="0">
+                        <a:latin typeface="Monospace"/>
+                      </a:endParaRPr>
+                    </a:p>
+                    <a:p>
+                      <a:endParaRPr lang="de-DE" sz="1400" dirty="0">
+                        <a:latin typeface="Monospace"/>
+                      </a:endParaRPr>
+                    </a:p>
+                  </a:txBody>
+                  <a:tcPr marL="94025" marR="94025" marT="47013" marB="47013">
+                    <a:lnL w="12700" cap="flat" cmpd="sng" algn="ctr">
+                      <a:solidFill>
+                        <a:schemeClr val="tx1"/>
+                      </a:solidFill>
+                      <a:prstDash val="solid"/>
+                      <a:round/>
+                      <a:headEnd type="none" w="med" len="med"/>
+                      <a:tailEnd type="none" w="med" len="med"/>
+                    </a:lnL>
+                    <a:lnR w="12700" cap="flat" cmpd="sng" algn="ctr">
+                      <a:solidFill>
+                        <a:schemeClr val="tx1"/>
+                      </a:solidFill>
+                      <a:prstDash val="solid"/>
+                      <a:round/>
+                      <a:headEnd type="none" w="med" len="med"/>
+                      <a:tailEnd type="none" w="med" len="med"/>
+                    </a:lnR>
+                    <a:lnT w="12700" cap="flat" cmpd="sng" algn="ctr">
+                      <a:solidFill>
+                        <a:schemeClr val="tx1"/>
+                      </a:solidFill>
+                      <a:prstDash val="solid"/>
+                      <a:round/>
+                      <a:headEnd type="none" w="med" len="med"/>
+                      <a:tailEnd type="none" w="med" len="med"/>
+                    </a:lnT>
+                    <a:lnB w="12700" cap="flat" cmpd="sng" algn="ctr">
+                      <a:solidFill>
+                        <a:schemeClr val="tx1"/>
+                      </a:solidFill>
+                      <a:prstDash val="solid"/>
+                      <a:round/>
+                      <a:headEnd type="none" w="med" len="med"/>
+                      <a:tailEnd type="none" w="med" len="med"/>
+                    </a:lnB>
+                    <a:lnTlToBr w="12700" cmpd="sng">
+                      <a:noFill/>
+                      <a:prstDash val="solid"/>
+                    </a:lnTlToBr>
+                    <a:lnBlToTr w="12700" cmpd="sng">
+                      <a:noFill/>
+                      <a:prstDash val="solid"/>
+                    </a:lnBlToTr>
+                    <a:pattFill prst="pct5">
+                      <a:fgClr>
+                        <a:schemeClr val="lt1"/>
+                      </a:fgClr>
+                      <a:bgClr>
+                        <a:schemeClr val="bg1"/>
+                      </a:bgClr>
+                    </a:pattFill>
+                  </a:tcPr>
+                </a:tc>
+                <a:tc>
+                  <a:txBody>
+                    <a:bodyPr/>
+                    <a:lstStyle/>
+                    <a:p>
+                      <a:r>
+                        <a:rPr lang="de-DE" sz="1400" dirty="0">
+                          <a:latin typeface="Monospace"/>
+                        </a:rPr>
+                        <a:t>0.38</a:t>
+                      </a:r>
+                    </a:p>
+                  </a:txBody>
+                  <a:tcPr marL="94025" marR="94025" marT="47013" marB="47013">
+                    <a:lnL w="12700" cap="flat" cmpd="sng" algn="ctr">
+                      <a:solidFill>
+                        <a:schemeClr val="tx1"/>
+                      </a:solidFill>
+                      <a:prstDash val="solid"/>
+                      <a:round/>
+                      <a:headEnd type="none" w="med" len="med"/>
+                      <a:tailEnd type="none" w="med" len="med"/>
+                    </a:lnL>
+                    <a:lnR w="12700" cap="flat" cmpd="sng" algn="ctr">
+                      <a:solidFill>
+                        <a:schemeClr val="tx1"/>
+                      </a:solidFill>
+                      <a:prstDash val="solid"/>
+                      <a:round/>
+                      <a:headEnd type="none" w="med" len="med"/>
+                      <a:tailEnd type="none" w="med" len="med"/>
+                    </a:lnR>
+                    <a:lnT w="12700" cap="flat" cmpd="sng" algn="ctr">
+                      <a:solidFill>
+                        <a:schemeClr val="tx1"/>
+                      </a:solidFill>
+                      <a:prstDash val="solid"/>
+                      <a:round/>
+                      <a:headEnd type="none" w="med" len="med"/>
+                      <a:tailEnd type="none" w="med" len="med"/>
+                    </a:lnT>
+                    <a:lnB w="12700" cap="flat" cmpd="sng" algn="ctr">
+                      <a:solidFill>
+                        <a:schemeClr val="tx1"/>
+                      </a:solidFill>
+                      <a:prstDash val="solid"/>
+                      <a:round/>
+                      <a:headEnd type="none" w="med" len="med"/>
+                      <a:tailEnd type="none" w="med" len="med"/>
+                    </a:lnB>
+                    <a:lnTlToBr w="12700" cmpd="sng">
+                      <a:noFill/>
+                      <a:prstDash val="solid"/>
+                    </a:lnTlToBr>
+                    <a:lnBlToTr w="12700" cmpd="sng">
+                      <a:noFill/>
+                      <a:prstDash val="solid"/>
+                    </a:lnBlToTr>
+                    <a:pattFill prst="pct5">
+                      <a:fgClr>
+                        <a:schemeClr val="lt1"/>
+                      </a:fgClr>
+                      <a:bgClr>
+                        <a:schemeClr val="bg1"/>
+                      </a:bgClr>
+                    </a:pattFill>
+                  </a:tcPr>
+                </a:tc>
+                <a:tc>
+                  <a:txBody>
+                    <a:bodyPr/>
+                    <a:lstStyle/>
+                    <a:p>
+                      <a:r>
+                        <a:rPr lang="en-US" sz="1400" b="0" i="0" u="none" strike="noStrike" cap="none" dirty="0">
+                          <a:solidFill>
+                            <a:srgbClr val="000000"/>
+                          </a:solidFill>
+                          <a:effectLst/>
+                          <a:latin typeface="Arial"/>
+                          <a:ea typeface="Arial"/>
+                          <a:cs typeface="Arial"/>
+                          <a:sym typeface="Arial"/>
+                        </a:rPr>
+                        <a:t>{'activation': '</a:t>
+                      </a:r>
+                      <a:r>
+                        <a:rPr lang="en-US" sz="1400" b="0" i="0" u="none" strike="noStrike" cap="none" dirty="0" err="1">
+                          <a:solidFill>
+                            <a:srgbClr val="000000"/>
+                          </a:solidFill>
+                          <a:effectLst/>
+                          <a:latin typeface="Arial"/>
+                          <a:ea typeface="Arial"/>
+                          <a:cs typeface="Arial"/>
+                          <a:sym typeface="Arial"/>
+                        </a:rPr>
+                        <a:t>relu</a:t>
+                      </a:r>
+                      <a:r>
+                        <a:rPr lang="en-US" sz="1400" b="0" i="0" u="none" strike="noStrike" cap="none" dirty="0">
+                          <a:solidFill>
+                            <a:srgbClr val="000000"/>
+                          </a:solidFill>
+                          <a:effectLst/>
+                          <a:latin typeface="Arial"/>
+                          <a:ea typeface="Arial"/>
+                          <a:cs typeface="Arial"/>
+                          <a:sym typeface="Arial"/>
+                        </a:rPr>
+                        <a:t>',</a:t>
+                      </a:r>
+                      <a:r>
+                        <a:rPr lang="en-US" sz="1400" b="0" i="0" u="none" strike="noStrike" cap="none" dirty="0" err="1">
+                          <a:solidFill>
+                            <a:srgbClr val="000000"/>
+                          </a:solidFill>
+                          <a:effectLst/>
+                          <a:latin typeface="Arial"/>
+                          <a:ea typeface="Arial"/>
+                          <a:cs typeface="Arial"/>
+                          <a:sym typeface="Arial"/>
+                        </a:rPr>
+                        <a:t>learning_rate_init</a:t>
+                      </a:r>
+                      <a:r>
+                        <a:rPr lang="en-US" sz="1400" b="0" i="0" u="none" strike="noStrike" cap="none" dirty="0">
+                          <a:solidFill>
+                            <a:srgbClr val="000000"/>
+                          </a:solidFill>
+                          <a:effectLst/>
+                          <a:latin typeface="Arial"/>
+                          <a:ea typeface="Arial"/>
+                          <a:cs typeface="Arial"/>
+                          <a:sym typeface="Arial"/>
+                        </a:rPr>
+                        <a:t>': 0.1, '</a:t>
+                      </a:r>
+                      <a:r>
+                        <a:rPr lang="en-US" sz="1400" b="0" i="0" u="none" strike="noStrike" cap="none" dirty="0" err="1">
+                          <a:solidFill>
+                            <a:srgbClr val="000000"/>
+                          </a:solidFill>
+                          <a:effectLst/>
+                          <a:latin typeface="Arial"/>
+                          <a:ea typeface="Arial"/>
+                          <a:cs typeface="Arial"/>
+                          <a:sym typeface="Arial"/>
+                        </a:rPr>
+                        <a:t>learning_rate</a:t>
+                      </a:r>
+                      <a:r>
+                        <a:rPr lang="en-US" sz="1400" b="0" i="0" u="none" strike="noStrike" cap="none" dirty="0">
+                          <a:solidFill>
+                            <a:srgbClr val="000000"/>
+                          </a:solidFill>
+                          <a:effectLst/>
+                          <a:latin typeface="Arial"/>
+                          <a:ea typeface="Arial"/>
+                          <a:cs typeface="Arial"/>
+                          <a:sym typeface="Arial"/>
+                        </a:rPr>
+                        <a:t>': 'constant', '</a:t>
+                      </a:r>
+                      <a:r>
+                        <a:rPr lang="en-US" sz="1400" b="0" i="0" u="none" strike="noStrike" cap="none" dirty="0" err="1">
+                          <a:solidFill>
+                            <a:srgbClr val="000000"/>
+                          </a:solidFill>
+                          <a:effectLst/>
+                          <a:latin typeface="Arial"/>
+                          <a:ea typeface="Arial"/>
+                          <a:cs typeface="Arial"/>
+                          <a:sym typeface="Arial"/>
+                        </a:rPr>
+                        <a:t>max_iter</a:t>
+                      </a:r>
+                      <a:r>
+                        <a:rPr lang="en-US" sz="1400" b="0" i="0" u="none" strike="noStrike" cap="none" dirty="0">
+                          <a:solidFill>
+                            <a:srgbClr val="000000"/>
+                          </a:solidFill>
+                          <a:effectLst/>
+                          <a:latin typeface="Arial"/>
+                          <a:ea typeface="Arial"/>
+                          <a:cs typeface="Arial"/>
+                          <a:sym typeface="Arial"/>
+                        </a:rPr>
+                        <a:t>': 100, '</a:t>
+                      </a:r>
+                      <a:r>
+                        <a:rPr lang="en-US" sz="1400" b="0" i="0" u="none" strike="noStrike" cap="none" dirty="0" err="1">
+                          <a:solidFill>
+                            <a:srgbClr val="000000"/>
+                          </a:solidFill>
+                          <a:effectLst/>
+                          <a:latin typeface="Arial"/>
+                          <a:ea typeface="Arial"/>
+                          <a:cs typeface="Arial"/>
+                          <a:sym typeface="Arial"/>
+                        </a:rPr>
+                        <a:t>hidden_layer_sizes</a:t>
+                      </a:r>
+                      <a:r>
+                        <a:rPr lang="en-US" sz="1400" b="0" i="0" u="none" strike="noStrike" cap="none" dirty="0">
+                          <a:solidFill>
+                            <a:srgbClr val="000000"/>
+                          </a:solidFill>
+                          <a:effectLst/>
+                          <a:latin typeface="Arial"/>
+                          <a:ea typeface="Arial"/>
+                          <a:cs typeface="Arial"/>
+                          <a:sym typeface="Arial"/>
+                        </a:rPr>
+                        <a:t>': [20, 20, 20]}</a:t>
+                      </a:r>
+                      <a:endParaRPr lang="de-DE" sz="1400" dirty="0">
+                        <a:latin typeface="Monospace"/>
+                      </a:endParaRPr>
+                    </a:p>
+                  </a:txBody>
+                  <a:tcPr marL="94025" marR="94025" marT="47013" marB="47013">
+                    <a:lnL w="12700" cap="flat" cmpd="sng" algn="ctr">
+                      <a:solidFill>
+                        <a:schemeClr val="tx1"/>
+                      </a:solidFill>
+                      <a:prstDash val="solid"/>
+                      <a:round/>
+                      <a:headEnd type="none" w="med" len="med"/>
+                      <a:tailEnd type="none" w="med" len="med"/>
+                    </a:lnL>
+                    <a:lnR w="12700" cap="flat" cmpd="sng" algn="ctr">
+                      <a:solidFill>
+                        <a:schemeClr val="tx1"/>
+                      </a:solidFill>
+                      <a:prstDash val="solid"/>
+                      <a:round/>
+                      <a:headEnd type="none" w="med" len="med"/>
+                      <a:tailEnd type="none" w="med" len="med"/>
+                    </a:lnR>
+                    <a:lnT w="12700" cap="flat" cmpd="sng" algn="ctr">
+                      <a:solidFill>
+                        <a:schemeClr val="tx1"/>
+                      </a:solidFill>
+                      <a:prstDash val="solid"/>
+                      <a:round/>
+                      <a:headEnd type="none" w="med" len="med"/>
+                      <a:tailEnd type="none" w="med" len="med"/>
+                    </a:lnT>
+                    <a:lnB w="12700" cap="flat" cmpd="sng" algn="ctr">
+                      <a:solidFill>
+                        <a:schemeClr val="tx1"/>
+                      </a:solidFill>
+                      <a:prstDash val="solid"/>
+                      <a:round/>
+                      <a:headEnd type="none" w="med" len="med"/>
+                      <a:tailEnd type="none" w="med" len="med"/>
+                    </a:lnB>
+                    <a:lnTlToBr w="12700" cmpd="sng">
+                      <a:noFill/>
+                      <a:prstDash val="solid"/>
+                    </a:lnTlToBr>
+                    <a:lnBlToTr w="12700" cmpd="sng">
+                      <a:noFill/>
+                      <a:prstDash val="solid"/>
+                    </a:lnBlToTr>
+                    <a:pattFill prst="pct5">
+                      <a:fgClr>
+                        <a:schemeClr val="lt1"/>
+                      </a:fgClr>
+                      <a:bgClr>
+                        <a:schemeClr val="bg1"/>
+                      </a:bgClr>
+                    </a:pattFill>
+                  </a:tcPr>
+                </a:tc>
+                <a:extLst>
+                  <a:ext uri="{0D108BD9-81ED-4DB2-BD59-A6C34878D82A}">
+                    <a16:rowId xmlns:a16="http://schemas.microsoft.com/office/drawing/2014/main" val="1280882318"/>
+                  </a:ext>
+                </a:extLst>
+              </a:tr>
+              <a:tr h="381325">
+                <a:tc>
+                  <a:txBody>
+                    <a:bodyPr/>
+                    <a:lstStyle/>
+                    <a:p>
+                      <a:r>
+                        <a:rPr lang="de-DE" sz="1400" dirty="0" err="1">
+                          <a:latin typeface="Monospace"/>
+                        </a:rPr>
+                        <a:t>RandomForest</a:t>
+                      </a:r>
+                      <a:endParaRPr lang="de-DE" sz="1400" dirty="0">
+                        <a:latin typeface="Monospace"/>
+                      </a:endParaRPr>
+                    </a:p>
+                  </a:txBody>
+                  <a:tcPr marL="94025" marR="94025" marT="47013" marB="47013">
+                    <a:lnL w="12700" cap="flat" cmpd="sng" algn="ctr">
+                      <a:solidFill>
+                        <a:schemeClr val="tx1"/>
+                      </a:solidFill>
+                      <a:prstDash val="solid"/>
+                      <a:round/>
+                      <a:headEnd type="none" w="med" len="med"/>
+                      <a:tailEnd type="none" w="med" len="med"/>
+                    </a:lnL>
+                    <a:lnR w="12700" cap="flat" cmpd="sng" algn="ctr">
+                      <a:solidFill>
+                        <a:schemeClr val="tx1"/>
+                      </a:solidFill>
+                      <a:prstDash val="solid"/>
+                      <a:round/>
+                      <a:headEnd type="none" w="med" len="med"/>
+                      <a:tailEnd type="none" w="med" len="med"/>
+                    </a:lnR>
+                    <a:lnT w="12700" cap="flat" cmpd="sng" algn="ctr">
+                      <a:solidFill>
+                        <a:schemeClr val="tx1"/>
+                      </a:solidFill>
+                      <a:prstDash val="solid"/>
+                      <a:round/>
+                      <a:headEnd type="none" w="med" len="med"/>
+                      <a:tailEnd type="none" w="med" len="med"/>
+                    </a:lnT>
+                    <a:lnB w="12700" cap="flat" cmpd="sng" algn="ctr">
+                      <a:solidFill>
+                        <a:schemeClr val="tx1"/>
+                      </a:solidFill>
+                      <a:prstDash val="solid"/>
+                      <a:round/>
+                      <a:headEnd type="none" w="med" len="med"/>
+                      <a:tailEnd type="none" w="med" len="med"/>
+                    </a:lnB>
+                    <a:lnTlToBr w="12700" cmpd="sng">
+                      <a:noFill/>
+                      <a:prstDash val="solid"/>
+                    </a:lnTlToBr>
+                    <a:lnBlToTr w="12700" cmpd="sng">
+                      <a:noFill/>
+                      <a:prstDash val="solid"/>
+                    </a:lnBlToTr>
+                    <a:pattFill prst="pct5">
+                      <a:fgClr>
+                        <a:schemeClr val="lt1"/>
+                      </a:fgClr>
+                      <a:bgClr>
+                        <a:schemeClr val="bg1"/>
+                      </a:bgClr>
+                    </a:pattFill>
+                  </a:tcPr>
+                </a:tc>
+                <a:tc>
+                  <a:txBody>
+                    <a:bodyPr/>
+                    <a:lstStyle/>
+                    <a:p>
+                      <a:r>
+                        <a:rPr lang="de-DE" sz="1400" b="0" i="0" u="none" strike="noStrike" cap="none" dirty="0">
+                          <a:solidFill>
+                            <a:srgbClr val="000000"/>
+                          </a:solidFill>
+                          <a:effectLst/>
+                          <a:latin typeface="Arial"/>
+                          <a:ea typeface="Arial"/>
+                          <a:cs typeface="Arial"/>
+                          <a:sym typeface="Arial"/>
+                        </a:rPr>
+                        <a:t>0.74</a:t>
+                      </a:r>
+                      <a:endParaRPr lang="de-DE" sz="1400" dirty="0">
+                        <a:latin typeface="Monospace"/>
+                      </a:endParaRPr>
+                    </a:p>
+                  </a:txBody>
+                  <a:tcPr marL="94025" marR="94025" marT="47013" marB="47013">
+                    <a:lnL w="12700" cap="flat" cmpd="sng" algn="ctr">
+                      <a:solidFill>
+                        <a:schemeClr val="tx1"/>
+                      </a:solidFill>
+                      <a:prstDash val="solid"/>
+                      <a:round/>
+                      <a:headEnd type="none" w="med" len="med"/>
+                      <a:tailEnd type="none" w="med" len="med"/>
+                    </a:lnL>
+                    <a:lnR w="12700" cap="flat" cmpd="sng" algn="ctr">
+                      <a:solidFill>
+                        <a:schemeClr val="tx1"/>
+                      </a:solidFill>
+                      <a:prstDash val="solid"/>
+                      <a:round/>
+                      <a:headEnd type="none" w="med" len="med"/>
+                      <a:tailEnd type="none" w="med" len="med"/>
+                    </a:lnR>
+                    <a:lnT w="12700" cap="flat" cmpd="sng" algn="ctr">
+                      <a:solidFill>
+                        <a:schemeClr val="tx1"/>
+                      </a:solidFill>
+                      <a:prstDash val="solid"/>
+                      <a:round/>
+                      <a:headEnd type="none" w="med" len="med"/>
+                      <a:tailEnd type="none" w="med" len="med"/>
+                    </a:lnT>
+                    <a:lnB w="12700" cap="flat" cmpd="sng" algn="ctr">
+                      <a:solidFill>
+                        <a:schemeClr val="tx1"/>
+                      </a:solidFill>
+                      <a:prstDash val="solid"/>
+                      <a:round/>
+                      <a:headEnd type="none" w="med" len="med"/>
+                      <a:tailEnd type="none" w="med" len="med"/>
+                    </a:lnB>
+                    <a:lnTlToBr w="12700" cmpd="sng">
+                      <a:noFill/>
+                      <a:prstDash val="solid"/>
+                    </a:lnTlToBr>
+                    <a:lnBlToTr w="12700" cmpd="sng">
+                      <a:noFill/>
+                      <a:prstDash val="solid"/>
+                    </a:lnBlToTr>
+                    <a:pattFill prst="pct5">
+                      <a:fgClr>
+                        <a:schemeClr val="lt1"/>
+                      </a:fgClr>
+                      <a:bgClr>
+                        <a:schemeClr val="bg1"/>
+                      </a:bgClr>
+                    </a:pattFill>
+                  </a:tcPr>
+                </a:tc>
+                <a:tc>
+                  <a:txBody>
+                    <a:bodyPr/>
+                    <a:lstStyle/>
+                    <a:p>
+                      <a:r>
+                        <a:rPr lang="de-DE" sz="1400" b="0" i="0" u="none" strike="noStrike" cap="none" dirty="0">
+                          <a:solidFill>
+                            <a:srgbClr val="000000"/>
+                          </a:solidFill>
+                          <a:effectLst/>
+                          <a:latin typeface="Arial"/>
+                          <a:ea typeface="Arial"/>
+                          <a:cs typeface="Arial"/>
+                          <a:sym typeface="Arial"/>
+                        </a:rPr>
+                        <a:t>{'</a:t>
+                      </a:r>
+                      <a:r>
+                        <a:rPr lang="de-DE" sz="1400" b="0" i="0" u="none" strike="noStrike" cap="none" dirty="0" err="1">
+                          <a:solidFill>
+                            <a:srgbClr val="000000"/>
+                          </a:solidFill>
+                          <a:effectLst/>
+                          <a:latin typeface="Arial"/>
+                          <a:ea typeface="Arial"/>
+                          <a:cs typeface="Arial"/>
+                          <a:sym typeface="Arial"/>
+                        </a:rPr>
+                        <a:t>max_features</a:t>
+                      </a:r>
+                      <a:r>
+                        <a:rPr lang="de-DE" sz="1400" b="0" i="0" u="none" strike="noStrike" cap="none" dirty="0">
+                          <a:solidFill>
+                            <a:srgbClr val="000000"/>
+                          </a:solidFill>
+                          <a:effectLst/>
+                          <a:latin typeface="Arial"/>
+                          <a:ea typeface="Arial"/>
+                          <a:cs typeface="Arial"/>
+                          <a:sym typeface="Arial"/>
+                        </a:rPr>
+                        <a:t>': '</a:t>
+                      </a:r>
+                      <a:r>
+                        <a:rPr lang="de-DE" sz="1400" b="0" i="0" u="none" strike="noStrike" cap="none" dirty="0" err="1">
+                          <a:solidFill>
+                            <a:srgbClr val="000000"/>
+                          </a:solidFill>
+                          <a:effectLst/>
+                          <a:latin typeface="Arial"/>
+                          <a:ea typeface="Arial"/>
+                          <a:cs typeface="Arial"/>
+                          <a:sym typeface="Arial"/>
+                        </a:rPr>
+                        <a:t>sqrt</a:t>
+                      </a:r>
+                      <a:r>
+                        <a:rPr lang="de-DE" sz="1400" b="0" i="0" u="none" strike="noStrike" cap="none" dirty="0">
+                          <a:solidFill>
+                            <a:srgbClr val="000000"/>
+                          </a:solidFill>
+                          <a:effectLst/>
+                          <a:latin typeface="Arial"/>
+                          <a:ea typeface="Arial"/>
+                          <a:cs typeface="Arial"/>
+                          <a:sym typeface="Arial"/>
+                        </a:rPr>
+                        <a:t>', '</a:t>
+                      </a:r>
+                      <a:r>
+                        <a:rPr lang="de-DE" sz="1400" b="0" i="0" u="none" strike="noStrike" cap="none" dirty="0" err="1">
+                          <a:solidFill>
+                            <a:srgbClr val="000000"/>
+                          </a:solidFill>
+                          <a:effectLst/>
+                          <a:latin typeface="Arial"/>
+                          <a:ea typeface="Arial"/>
+                          <a:cs typeface="Arial"/>
+                          <a:sym typeface="Arial"/>
+                        </a:rPr>
+                        <a:t>min_samples_split</a:t>
+                      </a:r>
+                      <a:r>
+                        <a:rPr lang="de-DE" sz="1400" b="0" i="0" u="none" strike="noStrike" cap="none" dirty="0">
+                          <a:solidFill>
+                            <a:srgbClr val="000000"/>
+                          </a:solidFill>
+                          <a:effectLst/>
+                          <a:latin typeface="Arial"/>
+                          <a:ea typeface="Arial"/>
+                          <a:cs typeface="Arial"/>
+                          <a:sym typeface="Arial"/>
+                        </a:rPr>
+                        <a:t>': 2, '</a:t>
+                      </a:r>
+                      <a:r>
+                        <a:rPr lang="de-DE" sz="1400" b="0" i="0" u="none" strike="noStrike" cap="none" dirty="0" err="1">
+                          <a:solidFill>
+                            <a:srgbClr val="000000"/>
+                          </a:solidFill>
+                          <a:effectLst/>
+                          <a:latin typeface="Arial"/>
+                          <a:ea typeface="Arial"/>
+                          <a:cs typeface="Arial"/>
+                          <a:sym typeface="Arial"/>
+                        </a:rPr>
+                        <a:t>n_estimators</a:t>
+                      </a:r>
+                      <a:r>
+                        <a:rPr lang="de-DE" sz="1400" b="0" i="0" u="none" strike="noStrike" cap="none" dirty="0">
+                          <a:solidFill>
+                            <a:srgbClr val="000000"/>
+                          </a:solidFill>
+                          <a:effectLst/>
+                          <a:latin typeface="Arial"/>
+                          <a:ea typeface="Arial"/>
+                          <a:cs typeface="Arial"/>
+                          <a:sym typeface="Arial"/>
+                        </a:rPr>
+                        <a:t>': 300}</a:t>
+                      </a:r>
+                      <a:endParaRPr lang="de-DE" sz="1400" dirty="0">
+                        <a:latin typeface="Monospace"/>
+                      </a:endParaRPr>
+                    </a:p>
+                  </a:txBody>
+                  <a:tcPr marL="94025" marR="94025" marT="47013" marB="47013">
+                    <a:lnL w="12700" cap="flat" cmpd="sng" algn="ctr">
+                      <a:solidFill>
+                        <a:schemeClr val="tx1"/>
+                      </a:solidFill>
+                      <a:prstDash val="solid"/>
+                      <a:round/>
+                      <a:headEnd type="none" w="med" len="med"/>
+                      <a:tailEnd type="none" w="med" len="med"/>
+                    </a:lnL>
+                    <a:lnR w="12700" cap="flat" cmpd="sng" algn="ctr">
+                      <a:solidFill>
+                        <a:schemeClr val="tx1"/>
+                      </a:solidFill>
+                      <a:prstDash val="solid"/>
+                      <a:round/>
+                      <a:headEnd type="none" w="med" len="med"/>
+                      <a:tailEnd type="none" w="med" len="med"/>
+                    </a:lnR>
+                    <a:lnT w="12700" cap="flat" cmpd="sng" algn="ctr">
+                      <a:solidFill>
+                        <a:schemeClr val="tx1"/>
+                      </a:solidFill>
+                      <a:prstDash val="solid"/>
+                      <a:round/>
+                      <a:headEnd type="none" w="med" len="med"/>
+                      <a:tailEnd type="none" w="med" len="med"/>
+                    </a:lnT>
+                    <a:lnB w="12700" cap="flat" cmpd="sng" algn="ctr">
+                      <a:solidFill>
+                        <a:schemeClr val="tx1"/>
+                      </a:solidFill>
+                      <a:prstDash val="solid"/>
+                      <a:round/>
+                      <a:headEnd type="none" w="med" len="med"/>
+                      <a:tailEnd type="none" w="med" len="med"/>
+                    </a:lnB>
+                    <a:lnTlToBr w="12700" cmpd="sng">
+                      <a:noFill/>
+                      <a:prstDash val="solid"/>
+                    </a:lnTlToBr>
+                    <a:lnBlToTr w="12700" cmpd="sng">
+                      <a:noFill/>
+                      <a:prstDash val="solid"/>
+                    </a:lnBlToTr>
+                    <a:pattFill prst="pct5">
+                      <a:fgClr>
+                        <a:schemeClr val="lt1"/>
+                      </a:fgClr>
+                      <a:bgClr>
+                        <a:schemeClr val="bg1"/>
+                      </a:bgClr>
+                    </a:pattFill>
+                  </a:tcPr>
+                </a:tc>
+                <a:extLst>
+                  <a:ext uri="{0D108BD9-81ED-4DB2-BD59-A6C34878D82A}">
+                    <a16:rowId xmlns:a16="http://schemas.microsoft.com/office/drawing/2014/main" val="967300304"/>
+                  </a:ext>
+                </a:extLst>
+              </a:tr>
+            </a:tbl>
+          </a:graphicData>
+        </a:graphic>
+      </p:graphicFrame>
+    </p:spTree>
+    <p:extLst>
+      <p:ext uri="{BB962C8B-B14F-4D97-AF65-F5344CB8AC3E}">
+        <p14:creationId xmlns:p14="http://schemas.microsoft.com/office/powerpoint/2010/main" val="350208694"/>
       </p:ext>
     </p:extLst>
   </p:cSld>
